--- a/ONIP/B4_0_Deroulement.pptx
+++ b/ONIP/B4_0_Deroulement.pptx
@@ -5,7 +5,7 @@
     <p:sldMasterId id="2147483711" r:id="rId1"/>
   </p:sldMasterIdLst>
   <p:notesMasterIdLst>
-    <p:notesMasterId r:id="rId13"/>
+    <p:notesMasterId r:id="rId15"/>
   </p:notesMasterIdLst>
   <p:sldIdLst>
     <p:sldId id="256" r:id="rId2"/>
@@ -19,6 +19,8 @@
     <p:sldId id="280" r:id="rId10"/>
     <p:sldId id="281" r:id="rId11"/>
     <p:sldId id="282" r:id="rId12"/>
+    <p:sldId id="284" r:id="rId13"/>
+    <p:sldId id="283" r:id="rId14"/>
   </p:sldIdLst>
   <p:sldSz cx="12192000" cy="6858000"/>
   <p:notesSz cx="6858000" cy="9144000"/>
@@ -125,7 +127,7 @@
             <a:srgbClr val="A4A3A4"/>
           </p15:clr>
         </p15:guide>
-        <p15:guide id="2" pos="3840">
+        <p15:guide id="2" pos="3318" userDrawn="1">
           <p15:clr>
             <a:srgbClr val="A4A3A4"/>
           </p15:clr>
@@ -218,7 +220,7 @@
           <a:p>
             <a:fld id="{95F60532-AC81-4152-B45E-E054A978F780}" type="datetimeFigureOut">
               <a:rPr lang="fr-FR" smtClean="0"/>
-              <a:t>16/02/2024</a:t>
+              <a:t>19/02/2024</a:t>
             </a:fld>
             <a:endParaRPr lang="fr-FR"/>
           </a:p>
@@ -507,7 +509,7 @@
           <p:cNvPr id="2" name="Title 1">
             <a:extLst>
               <a:ext uri="{FF2B5EF4-FFF2-40B4-BE49-F238E27FC236}">
-                <a16:creationId xmlns:a16="http://schemas.microsoft.com/office/drawing/2014/main" id="{E0EB8136-4330-4480-80D9-0F6FD970617C}"/>
+                <a16:creationId xmlns:a16="http://schemas.microsoft.com/office/drawing/2014/main" xmlns="" id="{E0EB8136-4330-4480-80D9-0F6FD970617C}"/>
               </a:ext>
             </a:extLst>
           </p:cNvPr>
@@ -546,7 +548,7 @@
           <p:cNvPr id="3" name="Subtitle 2">
             <a:extLst>
               <a:ext uri="{FF2B5EF4-FFF2-40B4-BE49-F238E27FC236}">
-                <a16:creationId xmlns:a16="http://schemas.microsoft.com/office/drawing/2014/main" id="{566E5739-DD96-45FB-B609-3E3447A52FED}"/>
+                <a16:creationId xmlns:a16="http://schemas.microsoft.com/office/drawing/2014/main" xmlns="" id="{566E5739-DD96-45FB-B609-3E3447A52FED}"/>
               </a:ext>
             </a:extLst>
           </p:cNvPr>
@@ -618,7 +620,7 @@
           <p:cNvPr id="4" name="Date Placeholder 3">
             <a:extLst>
               <a:ext uri="{FF2B5EF4-FFF2-40B4-BE49-F238E27FC236}">
-                <a16:creationId xmlns:a16="http://schemas.microsoft.com/office/drawing/2014/main" id="{1B9FF558-51F9-42A2-9944-DBE23DA8B224}"/>
+                <a16:creationId xmlns:a16="http://schemas.microsoft.com/office/drawing/2014/main" xmlns="" id="{1B9FF558-51F9-42A2-9944-DBE23DA8B224}"/>
               </a:ext>
             </a:extLst>
           </p:cNvPr>
@@ -641,7 +643,7 @@
           <a:p>
             <a:fld id="{02AC24A9-CCB6-4F8D-B8DB-C2F3692CFA5A}" type="datetimeFigureOut">
               <a:rPr lang="en-US" smtClean="0"/>
-              <a:t>2/16/2024</a:t>
+              <a:t>2/19/2024</a:t>
             </a:fld>
             <a:endParaRPr lang="en-US" dirty="0"/>
           </a:p>
@@ -652,7 +654,7 @@
           <p:cNvPr id="5" name="Footer Placeholder 4">
             <a:extLst>
               <a:ext uri="{FF2B5EF4-FFF2-40B4-BE49-F238E27FC236}">
-                <a16:creationId xmlns:a16="http://schemas.microsoft.com/office/drawing/2014/main" id="{8B8C0E86-A7F7-4BDC-A637-254E5252DED5}"/>
+                <a16:creationId xmlns:a16="http://schemas.microsoft.com/office/drawing/2014/main" xmlns="" id="{8B8C0E86-A7F7-4BDC-A637-254E5252DED5}"/>
               </a:ext>
             </a:extLst>
           </p:cNvPr>
@@ -677,7 +679,7 @@
           <p:cNvPr id="6" name="Slide Number Placeholder 5">
             <a:extLst>
               <a:ext uri="{FF2B5EF4-FFF2-40B4-BE49-F238E27FC236}">
-                <a16:creationId xmlns:a16="http://schemas.microsoft.com/office/drawing/2014/main" id="{C3D10ADE-E9DA-4E57-BF57-1CCB65219839}"/>
+                <a16:creationId xmlns:a16="http://schemas.microsoft.com/office/drawing/2014/main" xmlns="" id="{C3D10ADE-E9DA-4E57-BF57-1CCB65219839}"/>
               </a:ext>
             </a:extLst>
           </p:cNvPr>
@@ -711,7 +713,7 @@
           <p:cNvPr id="8" name="Rectangle 7">
             <a:extLst>
               <a:ext uri="{FF2B5EF4-FFF2-40B4-BE49-F238E27FC236}">
-                <a16:creationId xmlns:a16="http://schemas.microsoft.com/office/drawing/2014/main" id="{8D06CE56-3881-4ADA-8CEF-D18B02C242A3}"/>
+                <a16:creationId xmlns:a16="http://schemas.microsoft.com/office/drawing/2014/main" xmlns="" id="{8D06CE56-3881-4ADA-8CEF-D18B02C242A3}"/>
               </a:ext>
             </a:extLst>
           </p:cNvPr>
@@ -792,7 +794,7 @@
           <p:cNvPr id="10" name="Rectangle 9">
             <a:extLst>
               <a:ext uri="{FF2B5EF4-FFF2-40B4-BE49-F238E27FC236}">
-                <a16:creationId xmlns:a16="http://schemas.microsoft.com/office/drawing/2014/main" id="{79F3C543-62EC-4433-9C93-A2CD8764E9B4}"/>
+                <a16:creationId xmlns:a16="http://schemas.microsoft.com/office/drawing/2014/main" xmlns="" id="{79F3C543-62EC-4433-9C93-A2CD8764E9B4}"/>
               </a:ext>
             </a:extLst>
           </p:cNvPr>
@@ -907,7 +909,7 @@
           <p:cNvPr id="2" name="Title 1">
             <a:extLst>
               <a:ext uri="{FF2B5EF4-FFF2-40B4-BE49-F238E27FC236}">
-                <a16:creationId xmlns:a16="http://schemas.microsoft.com/office/drawing/2014/main" id="{90B32C18-E430-4EC7-BD7C-99D86D012231}"/>
+                <a16:creationId xmlns:a16="http://schemas.microsoft.com/office/drawing/2014/main" xmlns="" id="{90B32C18-E430-4EC7-BD7C-99D86D012231}"/>
               </a:ext>
             </a:extLst>
           </p:cNvPr>
@@ -936,7 +938,7 @@
           <p:cNvPr id="3" name="Vertical Text Placeholder 2">
             <a:extLst>
               <a:ext uri="{FF2B5EF4-FFF2-40B4-BE49-F238E27FC236}">
-                <a16:creationId xmlns:a16="http://schemas.microsoft.com/office/drawing/2014/main" id="{8FC5012F-7119-4D94-9717-3862E1C9384E}"/>
+                <a16:creationId xmlns:a16="http://schemas.microsoft.com/office/drawing/2014/main" xmlns="" id="{8FC5012F-7119-4D94-9717-3862E1C9384E}"/>
               </a:ext>
             </a:extLst>
           </p:cNvPr>
@@ -993,7 +995,7 @@
           <p:cNvPr id="4" name="Date Placeholder 3">
             <a:extLst>
               <a:ext uri="{FF2B5EF4-FFF2-40B4-BE49-F238E27FC236}">
-                <a16:creationId xmlns:a16="http://schemas.microsoft.com/office/drawing/2014/main" id="{19ED9A4A-D287-4207-9037-70DB007A1707}"/>
+                <a16:creationId xmlns:a16="http://schemas.microsoft.com/office/drawing/2014/main" xmlns="" id="{19ED9A4A-D287-4207-9037-70DB007A1707}"/>
               </a:ext>
             </a:extLst>
           </p:cNvPr>
@@ -1011,7 +1013,7 @@
           <a:p>
             <a:fld id="{02AC24A9-CCB6-4F8D-B8DB-C2F3692CFA5A}" type="datetimeFigureOut">
               <a:rPr lang="en-US" smtClean="0"/>
-              <a:t>2/16/2024</a:t>
+              <a:t>2/19/2024</a:t>
             </a:fld>
             <a:endParaRPr lang="en-US"/>
           </a:p>
@@ -1022,7 +1024,7 @@
           <p:cNvPr id="5" name="Footer Placeholder 4">
             <a:extLst>
               <a:ext uri="{FF2B5EF4-FFF2-40B4-BE49-F238E27FC236}">
-                <a16:creationId xmlns:a16="http://schemas.microsoft.com/office/drawing/2014/main" id="{61ECFCAC-80DB-43BB-B3F1-AC22BACEE360}"/>
+                <a16:creationId xmlns:a16="http://schemas.microsoft.com/office/drawing/2014/main" xmlns="" id="{61ECFCAC-80DB-43BB-B3F1-AC22BACEE360}"/>
               </a:ext>
             </a:extLst>
           </p:cNvPr>
@@ -1047,7 +1049,7 @@
           <p:cNvPr id="6" name="Slide Number Placeholder 5">
             <a:extLst>
               <a:ext uri="{FF2B5EF4-FFF2-40B4-BE49-F238E27FC236}">
-                <a16:creationId xmlns:a16="http://schemas.microsoft.com/office/drawing/2014/main" id="{D7679730-3487-4D94-A0DC-C21684963AB3}"/>
+                <a16:creationId xmlns:a16="http://schemas.microsoft.com/office/drawing/2014/main" xmlns="" id="{D7679730-3487-4D94-A0DC-C21684963AB3}"/>
               </a:ext>
             </a:extLst>
           </p:cNvPr>
@@ -1106,7 +1108,7 @@
           <p:cNvPr id="2" name="Vertical Title 1">
             <a:extLst>
               <a:ext uri="{FF2B5EF4-FFF2-40B4-BE49-F238E27FC236}">
-                <a16:creationId xmlns:a16="http://schemas.microsoft.com/office/drawing/2014/main" id="{B543C89D-929E-4CD1-BCCC-72A14C0335D6}"/>
+                <a16:creationId xmlns:a16="http://schemas.microsoft.com/office/drawing/2014/main" xmlns="" id="{B543C89D-929E-4CD1-BCCC-72A14C0335D6}"/>
               </a:ext>
             </a:extLst>
           </p:cNvPr>
@@ -1140,7 +1142,7 @@
           <p:cNvPr id="3" name="Vertical Text Placeholder 2">
             <a:extLst>
               <a:ext uri="{FF2B5EF4-FFF2-40B4-BE49-F238E27FC236}">
-                <a16:creationId xmlns:a16="http://schemas.microsoft.com/office/drawing/2014/main" id="{FED450EA-A577-4B76-A12F-650BEB20FD8D}"/>
+                <a16:creationId xmlns:a16="http://schemas.microsoft.com/office/drawing/2014/main" xmlns="" id="{FED450EA-A577-4B76-A12F-650BEB20FD8D}"/>
               </a:ext>
             </a:extLst>
           </p:cNvPr>
@@ -1202,7 +1204,7 @@
           <p:cNvPr id="4" name="Date Placeholder 3">
             <a:extLst>
               <a:ext uri="{FF2B5EF4-FFF2-40B4-BE49-F238E27FC236}">
-                <a16:creationId xmlns:a16="http://schemas.microsoft.com/office/drawing/2014/main" id="{41D2603B-9ACE-4FA9-805B-9B91EB63DF7D}"/>
+                <a16:creationId xmlns:a16="http://schemas.microsoft.com/office/drawing/2014/main" xmlns="" id="{41D2603B-9ACE-4FA9-805B-9B91EB63DF7D}"/>
               </a:ext>
             </a:extLst>
           </p:cNvPr>
@@ -1220,7 +1222,7 @@
           <a:p>
             <a:fld id="{02AC24A9-CCB6-4F8D-B8DB-C2F3692CFA5A}" type="datetimeFigureOut">
               <a:rPr lang="en-US" smtClean="0"/>
-              <a:t>2/16/2024</a:t>
+              <a:t>2/19/2024</a:t>
             </a:fld>
             <a:endParaRPr lang="en-US"/>
           </a:p>
@@ -1231,7 +1233,7 @@
           <p:cNvPr id="5" name="Footer Placeholder 4">
             <a:extLst>
               <a:ext uri="{FF2B5EF4-FFF2-40B4-BE49-F238E27FC236}">
-                <a16:creationId xmlns:a16="http://schemas.microsoft.com/office/drawing/2014/main" id="{7ECE18AC-D6A9-4A61-885D-68E2B684A438}"/>
+                <a16:creationId xmlns:a16="http://schemas.microsoft.com/office/drawing/2014/main" xmlns="" id="{7ECE18AC-D6A9-4A61-885D-68E2B684A438}"/>
               </a:ext>
             </a:extLst>
           </p:cNvPr>
@@ -1256,7 +1258,7 @@
           <p:cNvPr id="6" name="Slide Number Placeholder 5">
             <a:extLst>
               <a:ext uri="{FF2B5EF4-FFF2-40B4-BE49-F238E27FC236}">
-                <a16:creationId xmlns:a16="http://schemas.microsoft.com/office/drawing/2014/main" id="{75197AE4-AA47-4E14-8FFE-171FAE47F49E}"/>
+                <a16:creationId xmlns:a16="http://schemas.microsoft.com/office/drawing/2014/main" xmlns="" id="{75197AE4-AA47-4E14-8FFE-171FAE47F49E}"/>
               </a:ext>
             </a:extLst>
           </p:cNvPr>
@@ -1315,7 +1317,7 @@
           <p:cNvPr id="8" name="Rectangle 7">
             <a:extLst>
               <a:ext uri="{FF2B5EF4-FFF2-40B4-BE49-F238E27FC236}">
-                <a16:creationId xmlns:a16="http://schemas.microsoft.com/office/drawing/2014/main" id="{2D6FBB9D-1CAA-4D05-AB33-BABDFE17B843}"/>
+                <a16:creationId xmlns:a16="http://schemas.microsoft.com/office/drawing/2014/main" xmlns="" id="{2D6FBB9D-1CAA-4D05-AB33-BABDFE17B843}"/>
               </a:ext>
             </a:extLst>
           </p:cNvPr>
@@ -1406,7 +1408,7 @@
           <p:cNvPr id="10" name="Rectangle 9">
             <a:extLst>
               <a:ext uri="{FF2B5EF4-FFF2-40B4-BE49-F238E27FC236}">
-                <a16:creationId xmlns:a16="http://schemas.microsoft.com/office/drawing/2014/main" id="{04727B71-B4B6-4823-80A1-68C40B475118}"/>
+                <a16:creationId xmlns:a16="http://schemas.microsoft.com/office/drawing/2014/main" xmlns="" id="{04727B71-B4B6-4823-80A1-68C40B475118}"/>
               </a:ext>
             </a:extLst>
           </p:cNvPr>
@@ -1485,7 +1487,7 @@
           <p:cNvPr id="12" name="Rectangle 11">
             <a:extLst>
               <a:ext uri="{FF2B5EF4-FFF2-40B4-BE49-F238E27FC236}">
-                <a16:creationId xmlns:a16="http://schemas.microsoft.com/office/drawing/2014/main" id="{79A6DB05-9FB5-4B07-8675-74C23D4FD89D}"/>
+                <a16:creationId xmlns:a16="http://schemas.microsoft.com/office/drawing/2014/main" xmlns="" id="{79A6DB05-9FB5-4B07-8675-74C23D4FD89D}"/>
               </a:ext>
             </a:extLst>
           </p:cNvPr>
@@ -1566,7 +1568,7 @@
           <p:cNvPr id="2" name="Title 1">
             <a:extLst>
               <a:ext uri="{FF2B5EF4-FFF2-40B4-BE49-F238E27FC236}">
-                <a16:creationId xmlns:a16="http://schemas.microsoft.com/office/drawing/2014/main" id="{48D358CF-0758-490A-A084-C46443B9ABE8}"/>
+                <a16:creationId xmlns:a16="http://schemas.microsoft.com/office/drawing/2014/main" xmlns="" id="{48D358CF-0758-490A-A084-C46443B9ABE8}"/>
               </a:ext>
             </a:extLst>
           </p:cNvPr>
@@ -1605,7 +1607,7 @@
           <p:cNvPr id="3" name="Content Placeholder 2">
             <a:extLst>
               <a:ext uri="{FF2B5EF4-FFF2-40B4-BE49-F238E27FC236}">
-                <a16:creationId xmlns:a16="http://schemas.microsoft.com/office/drawing/2014/main" id="{21671183-B3CE-4F45-92FB-98290CA0E2CA}"/>
+                <a16:creationId xmlns:a16="http://schemas.microsoft.com/office/drawing/2014/main" xmlns="" id="{21671183-B3CE-4F45-92FB-98290CA0E2CA}"/>
               </a:ext>
             </a:extLst>
           </p:cNvPr>
@@ -1667,7 +1669,7 @@
           <p:cNvPr id="4" name="Date Placeholder 3">
             <a:extLst>
               <a:ext uri="{FF2B5EF4-FFF2-40B4-BE49-F238E27FC236}">
-                <a16:creationId xmlns:a16="http://schemas.microsoft.com/office/drawing/2014/main" id="{3D7DED67-27EC-4D43-A21C-093C1DB04813}"/>
+                <a16:creationId xmlns:a16="http://schemas.microsoft.com/office/drawing/2014/main" xmlns="" id="{3D7DED67-27EC-4D43-A21C-093C1DB04813}"/>
               </a:ext>
             </a:extLst>
           </p:cNvPr>
@@ -1690,7 +1692,7 @@
           <a:p>
             <a:fld id="{02AC24A9-CCB6-4F8D-B8DB-C2F3692CFA5A}" type="datetimeFigureOut">
               <a:rPr lang="en-US" smtClean="0"/>
-              <a:t>2/16/2024</a:t>
+              <a:t>2/19/2024</a:t>
             </a:fld>
             <a:endParaRPr lang="en-US"/>
           </a:p>
@@ -1701,7 +1703,7 @@
           <p:cNvPr id="5" name="Footer Placeholder 4">
             <a:extLst>
               <a:ext uri="{FF2B5EF4-FFF2-40B4-BE49-F238E27FC236}">
-                <a16:creationId xmlns:a16="http://schemas.microsoft.com/office/drawing/2014/main" id="{36747CE3-4890-4BC1-94DB-5D49D02C9933}"/>
+                <a16:creationId xmlns:a16="http://schemas.microsoft.com/office/drawing/2014/main" xmlns="" id="{36747CE3-4890-4BC1-94DB-5D49D02C9933}"/>
               </a:ext>
             </a:extLst>
           </p:cNvPr>
@@ -1726,7 +1728,7 @@
           <p:cNvPr id="6" name="Slide Number Placeholder 5">
             <a:extLst>
               <a:ext uri="{FF2B5EF4-FFF2-40B4-BE49-F238E27FC236}">
-                <a16:creationId xmlns:a16="http://schemas.microsoft.com/office/drawing/2014/main" id="{093C5AD3-D79A-4D46-B25B-822FE0252511}"/>
+                <a16:creationId xmlns:a16="http://schemas.microsoft.com/office/drawing/2014/main" xmlns="" id="{093C5AD3-D79A-4D46-B25B-822FE0252511}"/>
               </a:ext>
             </a:extLst>
           </p:cNvPr>
@@ -1790,7 +1792,7 @@
           <p:cNvPr id="8" name="Rectangle 7">
             <a:extLst>
               <a:ext uri="{FF2B5EF4-FFF2-40B4-BE49-F238E27FC236}">
-                <a16:creationId xmlns:a16="http://schemas.microsoft.com/office/drawing/2014/main" id="{85AEDC5C-2E87-49C6-AB07-A95E5F39ED8E}"/>
+                <a16:creationId xmlns:a16="http://schemas.microsoft.com/office/drawing/2014/main" xmlns="" id="{85AEDC5C-2E87-49C6-AB07-A95E5F39ED8E}"/>
               </a:ext>
             </a:extLst>
           </p:cNvPr>
@@ -1881,7 +1883,7 @@
           <p:cNvPr id="10" name="Rectangle 9">
             <a:extLst>
               <a:ext uri="{FF2B5EF4-FFF2-40B4-BE49-F238E27FC236}">
-                <a16:creationId xmlns:a16="http://schemas.microsoft.com/office/drawing/2014/main" id="{A57D88DE-E462-4C8A-BF99-609390DFB781}"/>
+                <a16:creationId xmlns:a16="http://schemas.microsoft.com/office/drawing/2014/main" xmlns="" id="{A57D88DE-E462-4C8A-BF99-609390DFB781}"/>
               </a:ext>
             </a:extLst>
           </p:cNvPr>
@@ -1962,7 +1964,7 @@
           <p:cNvPr id="2" name="Title 1">
             <a:extLst>
               <a:ext uri="{FF2B5EF4-FFF2-40B4-BE49-F238E27FC236}">
-                <a16:creationId xmlns:a16="http://schemas.microsoft.com/office/drawing/2014/main" id="{B8E44900-E8BF-4B12-8BCB-41076E2B68C7}"/>
+                <a16:creationId xmlns:a16="http://schemas.microsoft.com/office/drawing/2014/main" xmlns="" id="{B8E44900-E8BF-4B12-8BCB-41076E2B68C7}"/>
               </a:ext>
             </a:extLst>
           </p:cNvPr>
@@ -2001,7 +2003,7 @@
           <p:cNvPr id="3" name="Text Placeholder 2">
             <a:extLst>
               <a:ext uri="{FF2B5EF4-FFF2-40B4-BE49-F238E27FC236}">
-                <a16:creationId xmlns:a16="http://schemas.microsoft.com/office/drawing/2014/main" id="{917741F9-B00F-4463-A257-6B66DABD9B4E}"/>
+                <a16:creationId xmlns:a16="http://schemas.microsoft.com/office/drawing/2014/main" xmlns="" id="{917741F9-B00F-4463-A257-6B66DABD9B4E}"/>
               </a:ext>
             </a:extLst>
           </p:cNvPr>
@@ -2126,7 +2128,7 @@
           <p:cNvPr id="4" name="Date Placeholder 3">
             <a:extLst>
               <a:ext uri="{FF2B5EF4-FFF2-40B4-BE49-F238E27FC236}">
-                <a16:creationId xmlns:a16="http://schemas.microsoft.com/office/drawing/2014/main" id="{D48BFA7D-4401-4285-802B-1579165F0D6D}"/>
+                <a16:creationId xmlns:a16="http://schemas.microsoft.com/office/drawing/2014/main" xmlns="" id="{D48BFA7D-4401-4285-802B-1579165F0D6D}"/>
               </a:ext>
             </a:extLst>
           </p:cNvPr>
@@ -2144,7 +2146,7 @@
           <a:p>
             <a:fld id="{02AC24A9-CCB6-4F8D-B8DB-C2F3692CFA5A}" type="datetimeFigureOut">
               <a:rPr lang="en-US" smtClean="0"/>
-              <a:t>2/16/2024</a:t>
+              <a:t>2/19/2024</a:t>
             </a:fld>
             <a:endParaRPr lang="en-US"/>
           </a:p>
@@ -2155,7 +2157,7 @@
           <p:cNvPr id="5" name="Footer Placeholder 4">
             <a:extLst>
               <a:ext uri="{FF2B5EF4-FFF2-40B4-BE49-F238E27FC236}">
-                <a16:creationId xmlns:a16="http://schemas.microsoft.com/office/drawing/2014/main" id="{49A909C5-AA19-4195-8376-9002D5DF4651}"/>
+                <a16:creationId xmlns:a16="http://schemas.microsoft.com/office/drawing/2014/main" xmlns="" id="{49A909C5-AA19-4195-8376-9002D5DF4651}"/>
               </a:ext>
             </a:extLst>
           </p:cNvPr>
@@ -2180,7 +2182,7 @@
           <p:cNvPr id="6" name="Slide Number Placeholder 5">
             <a:extLst>
               <a:ext uri="{FF2B5EF4-FFF2-40B4-BE49-F238E27FC236}">
-                <a16:creationId xmlns:a16="http://schemas.microsoft.com/office/drawing/2014/main" id="{53AC3F32-46E0-47C8-8565-5969A475FDB0}"/>
+                <a16:creationId xmlns:a16="http://schemas.microsoft.com/office/drawing/2014/main" xmlns="" id="{53AC3F32-46E0-47C8-8565-5969A475FDB0}"/>
               </a:ext>
             </a:extLst>
           </p:cNvPr>
@@ -2239,7 +2241,7 @@
           <p:cNvPr id="9" name="Rectangle 8">
             <a:extLst>
               <a:ext uri="{FF2B5EF4-FFF2-40B4-BE49-F238E27FC236}">
-                <a16:creationId xmlns:a16="http://schemas.microsoft.com/office/drawing/2014/main" id="{2076262E-36A0-40C6-ADE6-90CD9FB9B9EA}"/>
+                <a16:creationId xmlns:a16="http://schemas.microsoft.com/office/drawing/2014/main" xmlns="" id="{2076262E-36A0-40C6-ADE6-90CD9FB9B9EA}"/>
               </a:ext>
             </a:extLst>
           </p:cNvPr>
@@ -2330,7 +2332,7 @@
           <p:cNvPr id="11" name="Rectangle 10">
             <a:extLst>
               <a:ext uri="{FF2B5EF4-FFF2-40B4-BE49-F238E27FC236}">
-                <a16:creationId xmlns:a16="http://schemas.microsoft.com/office/drawing/2014/main" id="{42677A9B-4D1D-4D80-912C-24570140A650}"/>
+                <a16:creationId xmlns:a16="http://schemas.microsoft.com/office/drawing/2014/main" xmlns="" id="{42677A9B-4D1D-4D80-912C-24570140A650}"/>
               </a:ext>
             </a:extLst>
           </p:cNvPr>
@@ -2409,7 +2411,7 @@
           <p:cNvPr id="13" name="Rectangle 12">
             <a:extLst>
               <a:ext uri="{FF2B5EF4-FFF2-40B4-BE49-F238E27FC236}">
-                <a16:creationId xmlns:a16="http://schemas.microsoft.com/office/drawing/2014/main" id="{03DC8C98-510F-48C9-82B2-9E4F760A68DF}"/>
+                <a16:creationId xmlns:a16="http://schemas.microsoft.com/office/drawing/2014/main" xmlns="" id="{03DC8C98-510F-48C9-82B2-9E4F760A68DF}"/>
               </a:ext>
             </a:extLst>
           </p:cNvPr>
@@ -2490,7 +2492,7 @@
           <p:cNvPr id="2" name="Title 1">
             <a:extLst>
               <a:ext uri="{FF2B5EF4-FFF2-40B4-BE49-F238E27FC236}">
-                <a16:creationId xmlns:a16="http://schemas.microsoft.com/office/drawing/2014/main" id="{17A078AE-0BC3-48F9-87EC-2DB0CCE7E2AE}"/>
+                <a16:creationId xmlns:a16="http://schemas.microsoft.com/office/drawing/2014/main" xmlns="" id="{17A078AE-0BC3-48F9-87EC-2DB0CCE7E2AE}"/>
               </a:ext>
             </a:extLst>
           </p:cNvPr>
@@ -2529,7 +2531,7 @@
           <p:cNvPr id="3" name="Content Placeholder 2">
             <a:extLst>
               <a:ext uri="{FF2B5EF4-FFF2-40B4-BE49-F238E27FC236}">
-                <a16:creationId xmlns:a16="http://schemas.microsoft.com/office/drawing/2014/main" id="{292A20DF-0829-4336-B59F-FF9D7AA9D8B6}"/>
+                <a16:creationId xmlns:a16="http://schemas.microsoft.com/office/drawing/2014/main" xmlns="" id="{292A20DF-0829-4336-B59F-FF9D7AA9D8B6}"/>
               </a:ext>
             </a:extLst>
           </p:cNvPr>
@@ -2591,7 +2593,7 @@
           <p:cNvPr id="4" name="Content Placeholder 3">
             <a:extLst>
               <a:ext uri="{FF2B5EF4-FFF2-40B4-BE49-F238E27FC236}">
-                <a16:creationId xmlns:a16="http://schemas.microsoft.com/office/drawing/2014/main" id="{7935D01C-CF67-4DF6-B96C-FFC9D5BF847B}"/>
+                <a16:creationId xmlns:a16="http://schemas.microsoft.com/office/drawing/2014/main" xmlns="" id="{7935D01C-CF67-4DF6-B96C-FFC9D5BF847B}"/>
               </a:ext>
             </a:extLst>
           </p:cNvPr>
@@ -2653,7 +2655,7 @@
           <p:cNvPr id="5" name="Date Placeholder 4">
             <a:extLst>
               <a:ext uri="{FF2B5EF4-FFF2-40B4-BE49-F238E27FC236}">
-                <a16:creationId xmlns:a16="http://schemas.microsoft.com/office/drawing/2014/main" id="{29BBD797-6031-4F82-8726-EAB757027FF5}"/>
+                <a16:creationId xmlns:a16="http://schemas.microsoft.com/office/drawing/2014/main" xmlns="" id="{29BBD797-6031-4F82-8726-EAB757027FF5}"/>
               </a:ext>
             </a:extLst>
           </p:cNvPr>
@@ -2676,7 +2678,7 @@
           <a:p>
             <a:fld id="{02AC24A9-CCB6-4F8D-B8DB-C2F3692CFA5A}" type="datetimeFigureOut">
               <a:rPr lang="en-US" smtClean="0"/>
-              <a:t>2/16/2024</a:t>
+              <a:t>2/19/2024</a:t>
             </a:fld>
             <a:endParaRPr lang="en-US"/>
           </a:p>
@@ -2687,7 +2689,7 @@
           <p:cNvPr id="6" name="Footer Placeholder 5">
             <a:extLst>
               <a:ext uri="{FF2B5EF4-FFF2-40B4-BE49-F238E27FC236}">
-                <a16:creationId xmlns:a16="http://schemas.microsoft.com/office/drawing/2014/main" id="{76B3F71C-B897-4909-A75E-8716AD49C156}"/>
+                <a16:creationId xmlns:a16="http://schemas.microsoft.com/office/drawing/2014/main" xmlns="" id="{76B3F71C-B897-4909-A75E-8716AD49C156}"/>
               </a:ext>
             </a:extLst>
           </p:cNvPr>
@@ -2712,7 +2714,7 @@
           <p:cNvPr id="7" name="Slide Number Placeholder 6">
             <a:extLst>
               <a:ext uri="{FF2B5EF4-FFF2-40B4-BE49-F238E27FC236}">
-                <a16:creationId xmlns:a16="http://schemas.microsoft.com/office/drawing/2014/main" id="{4F78BC14-5BB1-405F-A6F3-C07230F085C8}"/>
+                <a16:creationId xmlns:a16="http://schemas.microsoft.com/office/drawing/2014/main" xmlns="" id="{4F78BC14-5BB1-405F-A6F3-C07230F085C8}"/>
               </a:ext>
             </a:extLst>
           </p:cNvPr>
@@ -2776,7 +2778,7 @@
           <p:cNvPr id="11" name="Rectangle 10">
             <a:extLst>
               <a:ext uri="{FF2B5EF4-FFF2-40B4-BE49-F238E27FC236}">
-                <a16:creationId xmlns:a16="http://schemas.microsoft.com/office/drawing/2014/main" id="{6B671BDE-E45C-41A1-9B98-4A607D703855}"/>
+                <a16:creationId xmlns:a16="http://schemas.microsoft.com/office/drawing/2014/main" xmlns="" id="{6B671BDE-E45C-41A1-9B98-4A607D703855}"/>
               </a:ext>
             </a:extLst>
           </p:cNvPr>
@@ -2867,7 +2869,7 @@
           <p:cNvPr id="13" name="Rectangle 12">
             <a:extLst>
               <a:ext uri="{FF2B5EF4-FFF2-40B4-BE49-F238E27FC236}">
-                <a16:creationId xmlns:a16="http://schemas.microsoft.com/office/drawing/2014/main" id="{299500CE-917A-4D03-A7DF-71D8EBBC1537}"/>
+                <a16:creationId xmlns:a16="http://schemas.microsoft.com/office/drawing/2014/main" xmlns="" id="{299500CE-917A-4D03-A7DF-71D8EBBC1537}"/>
               </a:ext>
             </a:extLst>
           </p:cNvPr>
@@ -2946,7 +2948,7 @@
           <p:cNvPr id="15" name="Rectangle 14">
             <a:extLst>
               <a:ext uri="{FF2B5EF4-FFF2-40B4-BE49-F238E27FC236}">
-                <a16:creationId xmlns:a16="http://schemas.microsoft.com/office/drawing/2014/main" id="{C3D0D377-28B0-417D-886B-9483AF064975}"/>
+                <a16:creationId xmlns:a16="http://schemas.microsoft.com/office/drawing/2014/main" xmlns="" id="{C3D0D377-28B0-417D-886B-9483AF064975}"/>
               </a:ext>
             </a:extLst>
           </p:cNvPr>
@@ -3027,7 +3029,7 @@
           <p:cNvPr id="2" name="Title 1">
             <a:extLst>
               <a:ext uri="{FF2B5EF4-FFF2-40B4-BE49-F238E27FC236}">
-                <a16:creationId xmlns:a16="http://schemas.microsoft.com/office/drawing/2014/main" id="{0F8F91F8-0767-40B5-A3AA-72931FC192EA}"/>
+                <a16:creationId xmlns:a16="http://schemas.microsoft.com/office/drawing/2014/main" xmlns="" id="{0F8F91F8-0767-40B5-A3AA-72931FC192EA}"/>
               </a:ext>
             </a:extLst>
           </p:cNvPr>
@@ -3066,7 +3068,7 @@
           <p:cNvPr id="3" name="Text Placeholder 2">
             <a:extLst>
               <a:ext uri="{FF2B5EF4-FFF2-40B4-BE49-F238E27FC236}">
-                <a16:creationId xmlns:a16="http://schemas.microsoft.com/office/drawing/2014/main" id="{AAAE0554-8BEE-4BF6-9519-51B8475D35E1}"/>
+                <a16:creationId xmlns:a16="http://schemas.microsoft.com/office/drawing/2014/main" xmlns="" id="{AAAE0554-8BEE-4BF6-9519-51B8475D35E1}"/>
               </a:ext>
             </a:extLst>
           </p:cNvPr>
@@ -3137,7 +3139,7 @@
           <p:cNvPr id="4" name="Content Placeholder 3">
             <a:extLst>
               <a:ext uri="{FF2B5EF4-FFF2-40B4-BE49-F238E27FC236}">
-                <a16:creationId xmlns:a16="http://schemas.microsoft.com/office/drawing/2014/main" id="{FD4A358D-C930-48E0-B372-06A826B74C47}"/>
+                <a16:creationId xmlns:a16="http://schemas.microsoft.com/office/drawing/2014/main" xmlns="" id="{FD4A358D-C930-48E0-B372-06A826B74C47}"/>
               </a:ext>
             </a:extLst>
           </p:cNvPr>
@@ -3209,7 +3211,7 @@
           <p:cNvPr id="5" name="Text Placeholder 4">
             <a:extLst>
               <a:ext uri="{FF2B5EF4-FFF2-40B4-BE49-F238E27FC236}">
-                <a16:creationId xmlns:a16="http://schemas.microsoft.com/office/drawing/2014/main" id="{83B6615E-4966-4150-83B6-C47591B36383}"/>
+                <a16:creationId xmlns:a16="http://schemas.microsoft.com/office/drawing/2014/main" xmlns="" id="{83B6615E-4966-4150-83B6-C47591B36383}"/>
               </a:ext>
             </a:extLst>
           </p:cNvPr>
@@ -3280,7 +3282,7 @@
           <p:cNvPr id="6" name="Content Placeholder 5">
             <a:extLst>
               <a:ext uri="{FF2B5EF4-FFF2-40B4-BE49-F238E27FC236}">
-                <a16:creationId xmlns:a16="http://schemas.microsoft.com/office/drawing/2014/main" id="{BD409F6B-C17B-4B4F-9F35-5068BDC4E2FD}"/>
+                <a16:creationId xmlns:a16="http://schemas.microsoft.com/office/drawing/2014/main" xmlns="" id="{BD409F6B-C17B-4B4F-9F35-5068BDC4E2FD}"/>
               </a:ext>
             </a:extLst>
           </p:cNvPr>
@@ -3352,7 +3354,7 @@
           <p:cNvPr id="7" name="Date Placeholder 6">
             <a:extLst>
               <a:ext uri="{FF2B5EF4-FFF2-40B4-BE49-F238E27FC236}">
-                <a16:creationId xmlns:a16="http://schemas.microsoft.com/office/drawing/2014/main" id="{C8BC356D-052B-4A9B-8B2F-6665FD325AB3}"/>
+                <a16:creationId xmlns:a16="http://schemas.microsoft.com/office/drawing/2014/main" xmlns="" id="{C8BC356D-052B-4A9B-8B2F-6665FD325AB3}"/>
               </a:ext>
             </a:extLst>
           </p:cNvPr>
@@ -3375,7 +3377,7 @@
           <a:p>
             <a:fld id="{02AC24A9-CCB6-4F8D-B8DB-C2F3692CFA5A}" type="datetimeFigureOut">
               <a:rPr lang="en-US" smtClean="0"/>
-              <a:t>2/16/2024</a:t>
+              <a:t>2/19/2024</a:t>
             </a:fld>
             <a:endParaRPr lang="en-US"/>
           </a:p>
@@ -3386,7 +3388,7 @@
           <p:cNvPr id="8" name="Footer Placeholder 7">
             <a:extLst>
               <a:ext uri="{FF2B5EF4-FFF2-40B4-BE49-F238E27FC236}">
-                <a16:creationId xmlns:a16="http://schemas.microsoft.com/office/drawing/2014/main" id="{69C5E5FA-26A9-467C-93E3-8476142D1D46}"/>
+                <a16:creationId xmlns:a16="http://schemas.microsoft.com/office/drawing/2014/main" xmlns="" id="{69C5E5FA-26A9-467C-93E3-8476142D1D46}"/>
               </a:ext>
             </a:extLst>
           </p:cNvPr>
@@ -3411,7 +3413,7 @@
           <p:cNvPr id="9" name="Slide Number Placeholder 8">
             <a:extLst>
               <a:ext uri="{FF2B5EF4-FFF2-40B4-BE49-F238E27FC236}">
-                <a16:creationId xmlns:a16="http://schemas.microsoft.com/office/drawing/2014/main" id="{D279E50C-1E40-4B48-871B-E392428D20A3}"/>
+                <a16:creationId xmlns:a16="http://schemas.microsoft.com/office/drawing/2014/main" xmlns="" id="{D279E50C-1E40-4B48-871B-E392428D20A3}"/>
               </a:ext>
             </a:extLst>
           </p:cNvPr>
@@ -3475,7 +3477,7 @@
           <p:cNvPr id="7" name="Rectangle 6">
             <a:extLst>
               <a:ext uri="{FF2B5EF4-FFF2-40B4-BE49-F238E27FC236}">
-                <a16:creationId xmlns:a16="http://schemas.microsoft.com/office/drawing/2014/main" id="{8C0689C4-0DB3-408B-A956-40326B4AE4C4}"/>
+                <a16:creationId xmlns:a16="http://schemas.microsoft.com/office/drawing/2014/main" xmlns="" id="{8C0689C4-0DB3-408B-A956-40326B4AE4C4}"/>
               </a:ext>
             </a:extLst>
           </p:cNvPr>
@@ -3566,7 +3568,7 @@
           <p:cNvPr id="9" name="Rectangle 8">
             <a:extLst>
               <a:ext uri="{FF2B5EF4-FFF2-40B4-BE49-F238E27FC236}">
-                <a16:creationId xmlns:a16="http://schemas.microsoft.com/office/drawing/2014/main" id="{56E1D10E-1C30-41BF-8C3B-C460C9B5597B}"/>
+                <a16:creationId xmlns:a16="http://schemas.microsoft.com/office/drawing/2014/main" xmlns="" id="{56E1D10E-1C30-41BF-8C3B-C460C9B5597B}"/>
               </a:ext>
             </a:extLst>
           </p:cNvPr>
@@ -3647,7 +3649,7 @@
           <p:cNvPr id="2" name="Title 1">
             <a:extLst>
               <a:ext uri="{FF2B5EF4-FFF2-40B4-BE49-F238E27FC236}">
-                <a16:creationId xmlns:a16="http://schemas.microsoft.com/office/drawing/2014/main" id="{779454F2-0EE5-4888-AF4C-82F825E6226E}"/>
+                <a16:creationId xmlns:a16="http://schemas.microsoft.com/office/drawing/2014/main" xmlns="" id="{779454F2-0EE5-4888-AF4C-82F825E6226E}"/>
               </a:ext>
             </a:extLst>
           </p:cNvPr>
@@ -3686,7 +3688,7 @@
           <p:cNvPr id="3" name="Date Placeholder 2">
             <a:extLst>
               <a:ext uri="{FF2B5EF4-FFF2-40B4-BE49-F238E27FC236}">
-                <a16:creationId xmlns:a16="http://schemas.microsoft.com/office/drawing/2014/main" id="{67C91241-A315-4643-91E5-CF2C25CC903A}"/>
+                <a16:creationId xmlns:a16="http://schemas.microsoft.com/office/drawing/2014/main" xmlns="" id="{67C91241-A315-4643-91E5-CF2C25CC903A}"/>
               </a:ext>
             </a:extLst>
           </p:cNvPr>
@@ -3704,7 +3706,7 @@
           <a:p>
             <a:fld id="{02AC24A9-CCB6-4F8D-B8DB-C2F3692CFA5A}" type="datetimeFigureOut">
               <a:rPr lang="en-US" smtClean="0"/>
-              <a:t>2/16/2024</a:t>
+              <a:t>2/19/2024</a:t>
             </a:fld>
             <a:endParaRPr lang="en-US"/>
           </a:p>
@@ -3715,7 +3717,7 @@
           <p:cNvPr id="4" name="Footer Placeholder 3">
             <a:extLst>
               <a:ext uri="{FF2B5EF4-FFF2-40B4-BE49-F238E27FC236}">
-                <a16:creationId xmlns:a16="http://schemas.microsoft.com/office/drawing/2014/main" id="{22706D86-5479-487D-94C8-76093D84F377}"/>
+                <a16:creationId xmlns:a16="http://schemas.microsoft.com/office/drawing/2014/main" xmlns="" id="{22706D86-5479-487D-94C8-76093D84F377}"/>
               </a:ext>
             </a:extLst>
           </p:cNvPr>
@@ -3740,7 +3742,7 @@
           <p:cNvPr id="5" name="Slide Number Placeholder 4">
             <a:extLst>
               <a:ext uri="{FF2B5EF4-FFF2-40B4-BE49-F238E27FC236}">
-                <a16:creationId xmlns:a16="http://schemas.microsoft.com/office/drawing/2014/main" id="{A7739411-CED6-43D4-868D-A65C4161A72B}"/>
+                <a16:creationId xmlns:a16="http://schemas.microsoft.com/office/drawing/2014/main" xmlns="" id="{A7739411-CED6-43D4-868D-A65C4161A72B}"/>
               </a:ext>
             </a:extLst>
           </p:cNvPr>
@@ -3799,7 +3801,7 @@
           <p:cNvPr id="2" name="Date Placeholder 1">
             <a:extLst>
               <a:ext uri="{FF2B5EF4-FFF2-40B4-BE49-F238E27FC236}">
-                <a16:creationId xmlns:a16="http://schemas.microsoft.com/office/drawing/2014/main" id="{EAC447E0-1D4D-4EF2-B81B-4B2400EE3EDB}"/>
+                <a16:creationId xmlns:a16="http://schemas.microsoft.com/office/drawing/2014/main" xmlns="" id="{EAC447E0-1D4D-4EF2-B81B-4B2400EE3EDB}"/>
               </a:ext>
             </a:extLst>
           </p:cNvPr>
@@ -3817,7 +3819,7 @@
           <a:p>
             <a:fld id="{02AC24A9-CCB6-4F8D-B8DB-C2F3692CFA5A}" type="datetimeFigureOut">
               <a:rPr lang="en-US" smtClean="0"/>
-              <a:t>2/16/2024</a:t>
+              <a:t>2/19/2024</a:t>
             </a:fld>
             <a:endParaRPr lang="en-US"/>
           </a:p>
@@ -3828,7 +3830,7 @@
           <p:cNvPr id="3" name="Footer Placeholder 2">
             <a:extLst>
               <a:ext uri="{FF2B5EF4-FFF2-40B4-BE49-F238E27FC236}">
-                <a16:creationId xmlns:a16="http://schemas.microsoft.com/office/drawing/2014/main" id="{C9984CA0-2A78-4600-9F3D-19B09E790FE8}"/>
+                <a16:creationId xmlns:a16="http://schemas.microsoft.com/office/drawing/2014/main" xmlns="" id="{C9984CA0-2A78-4600-9F3D-19B09E790FE8}"/>
               </a:ext>
             </a:extLst>
           </p:cNvPr>
@@ -3853,7 +3855,7 @@
           <p:cNvPr id="4" name="Slide Number Placeholder 3">
             <a:extLst>
               <a:ext uri="{FF2B5EF4-FFF2-40B4-BE49-F238E27FC236}">
-                <a16:creationId xmlns:a16="http://schemas.microsoft.com/office/drawing/2014/main" id="{38440955-B18E-49D3-AE7B-B331200E34C5}"/>
+                <a16:creationId xmlns:a16="http://schemas.microsoft.com/office/drawing/2014/main" xmlns="" id="{38440955-B18E-49D3-AE7B-B331200E34C5}"/>
               </a:ext>
             </a:extLst>
           </p:cNvPr>
@@ -3912,7 +3914,7 @@
           <p:cNvPr id="9" name="Rectangle 8">
             <a:extLst>
               <a:ext uri="{FF2B5EF4-FFF2-40B4-BE49-F238E27FC236}">
-                <a16:creationId xmlns:a16="http://schemas.microsoft.com/office/drawing/2014/main" id="{1FA417FE-CD1A-486F-A4AC-E4000A2FB18E}"/>
+                <a16:creationId xmlns:a16="http://schemas.microsoft.com/office/drawing/2014/main" xmlns="" id="{1FA417FE-CD1A-486F-A4AC-E4000A2FB18E}"/>
               </a:ext>
             </a:extLst>
           </p:cNvPr>
@@ -4003,7 +4005,7 @@
           <p:cNvPr id="11" name="Rectangle 10">
             <a:extLst>
               <a:ext uri="{FF2B5EF4-FFF2-40B4-BE49-F238E27FC236}">
-                <a16:creationId xmlns:a16="http://schemas.microsoft.com/office/drawing/2014/main" id="{1318F0F5-812B-472C-9408-B80F2553F5E0}"/>
+                <a16:creationId xmlns:a16="http://schemas.microsoft.com/office/drawing/2014/main" xmlns="" id="{1318F0F5-812B-472C-9408-B80F2553F5E0}"/>
               </a:ext>
             </a:extLst>
           </p:cNvPr>
@@ -4084,7 +4086,7 @@
           <p:cNvPr id="2" name="Title 1">
             <a:extLst>
               <a:ext uri="{FF2B5EF4-FFF2-40B4-BE49-F238E27FC236}">
-                <a16:creationId xmlns:a16="http://schemas.microsoft.com/office/drawing/2014/main" id="{47F7751B-CD8F-4F5B-A903-1DCE5D1E8306}"/>
+                <a16:creationId xmlns:a16="http://schemas.microsoft.com/office/drawing/2014/main" xmlns="" id="{47F7751B-CD8F-4F5B-A903-1DCE5D1E8306}"/>
               </a:ext>
             </a:extLst>
           </p:cNvPr>
@@ -4126,7 +4128,7 @@
           <p:cNvPr id="3" name="Content Placeholder 2">
             <a:extLst>
               <a:ext uri="{FF2B5EF4-FFF2-40B4-BE49-F238E27FC236}">
-                <a16:creationId xmlns:a16="http://schemas.microsoft.com/office/drawing/2014/main" id="{EFA55C8A-A0BB-441D-976F-EB56D4382DB6}"/>
+                <a16:creationId xmlns:a16="http://schemas.microsoft.com/office/drawing/2014/main" xmlns="" id="{EFA55C8A-A0BB-441D-976F-EB56D4382DB6}"/>
               </a:ext>
             </a:extLst>
           </p:cNvPr>
@@ -4216,7 +4218,7 @@
           <p:cNvPr id="4" name="Text Placeholder 3">
             <a:extLst>
               <a:ext uri="{FF2B5EF4-FFF2-40B4-BE49-F238E27FC236}">
-                <a16:creationId xmlns:a16="http://schemas.microsoft.com/office/drawing/2014/main" id="{37DE6A51-A2E5-4BFA-B571-9FDFE1BBFB44}"/>
+                <a16:creationId xmlns:a16="http://schemas.microsoft.com/office/drawing/2014/main" xmlns="" id="{37DE6A51-A2E5-4BFA-B571-9FDFE1BBFB44}"/>
               </a:ext>
             </a:extLst>
           </p:cNvPr>
@@ -4289,7 +4291,7 @@
           <p:cNvPr id="5" name="Date Placeholder 4">
             <a:extLst>
               <a:ext uri="{FF2B5EF4-FFF2-40B4-BE49-F238E27FC236}">
-                <a16:creationId xmlns:a16="http://schemas.microsoft.com/office/drawing/2014/main" id="{3D92778A-DD4C-4651-9C53-8B0C44CD8805}"/>
+                <a16:creationId xmlns:a16="http://schemas.microsoft.com/office/drawing/2014/main" xmlns="" id="{3D92778A-DD4C-4651-9C53-8B0C44CD8805}"/>
               </a:ext>
             </a:extLst>
           </p:cNvPr>
@@ -4312,7 +4314,7 @@
           <a:p>
             <a:fld id="{02AC24A9-CCB6-4F8D-B8DB-C2F3692CFA5A}" type="datetimeFigureOut">
               <a:rPr lang="en-US" smtClean="0"/>
-              <a:t>2/16/2024</a:t>
+              <a:t>2/19/2024</a:t>
             </a:fld>
             <a:endParaRPr lang="en-US" dirty="0"/>
           </a:p>
@@ -4323,7 +4325,7 @@
           <p:cNvPr id="6" name="Footer Placeholder 5">
             <a:extLst>
               <a:ext uri="{FF2B5EF4-FFF2-40B4-BE49-F238E27FC236}">
-                <a16:creationId xmlns:a16="http://schemas.microsoft.com/office/drawing/2014/main" id="{9D6C7F66-2DFA-4146-BE1A-CE2890FE45E2}"/>
+                <a16:creationId xmlns:a16="http://schemas.microsoft.com/office/drawing/2014/main" xmlns="" id="{9D6C7F66-2DFA-4146-BE1A-CE2890FE45E2}"/>
               </a:ext>
             </a:extLst>
           </p:cNvPr>
@@ -4348,7 +4350,7 @@
           <p:cNvPr id="7" name="Slide Number Placeholder 6">
             <a:extLst>
               <a:ext uri="{FF2B5EF4-FFF2-40B4-BE49-F238E27FC236}">
-                <a16:creationId xmlns:a16="http://schemas.microsoft.com/office/drawing/2014/main" id="{D285D185-B1B6-4D62-81BE-BE82C80ACA6C}"/>
+                <a16:creationId xmlns:a16="http://schemas.microsoft.com/office/drawing/2014/main" xmlns="" id="{D285D185-B1B6-4D62-81BE-BE82C80ACA6C}"/>
               </a:ext>
             </a:extLst>
           </p:cNvPr>
@@ -4407,7 +4409,7 @@
           <p:cNvPr id="9" name="Rectangle 8">
             <a:extLst>
               <a:ext uri="{FF2B5EF4-FFF2-40B4-BE49-F238E27FC236}">
-                <a16:creationId xmlns:a16="http://schemas.microsoft.com/office/drawing/2014/main" id="{168B77B5-211C-456E-B79F-306CC3619347}"/>
+                <a16:creationId xmlns:a16="http://schemas.microsoft.com/office/drawing/2014/main" xmlns="" id="{168B77B5-211C-456E-B79F-306CC3619347}"/>
               </a:ext>
             </a:extLst>
           </p:cNvPr>
@@ -4498,7 +4500,7 @@
           <p:cNvPr id="11" name="Rectangle 10">
             <a:extLst>
               <a:ext uri="{FF2B5EF4-FFF2-40B4-BE49-F238E27FC236}">
-                <a16:creationId xmlns:a16="http://schemas.microsoft.com/office/drawing/2014/main" id="{3B63C338-194D-4F23-ABEC-60A7EA96F302}"/>
+                <a16:creationId xmlns:a16="http://schemas.microsoft.com/office/drawing/2014/main" xmlns="" id="{3B63C338-194D-4F23-ABEC-60A7EA96F302}"/>
               </a:ext>
             </a:extLst>
           </p:cNvPr>
@@ -4579,7 +4581,7 @@
           <p:cNvPr id="2" name="Title 1">
             <a:extLst>
               <a:ext uri="{FF2B5EF4-FFF2-40B4-BE49-F238E27FC236}">
-                <a16:creationId xmlns:a16="http://schemas.microsoft.com/office/drawing/2014/main" id="{A0C04DCC-0E3E-4F05-9FAC-9FA6CA4B2BAE}"/>
+                <a16:creationId xmlns:a16="http://schemas.microsoft.com/office/drawing/2014/main" xmlns="" id="{A0C04DCC-0E3E-4F05-9FAC-9FA6CA4B2BAE}"/>
               </a:ext>
             </a:extLst>
           </p:cNvPr>
@@ -4621,7 +4623,7 @@
           <p:cNvPr id="3" name="Picture Placeholder 2">
             <a:extLst>
               <a:ext uri="{FF2B5EF4-FFF2-40B4-BE49-F238E27FC236}">
-                <a16:creationId xmlns:a16="http://schemas.microsoft.com/office/drawing/2014/main" id="{EBA29649-B19F-499E-8E9A-3577EAC8F031}"/>
+                <a16:creationId xmlns:a16="http://schemas.microsoft.com/office/drawing/2014/main" xmlns="" id="{EBA29649-B19F-499E-8E9A-3577EAC8F031}"/>
               </a:ext>
             </a:extLst>
           </p:cNvPr>
@@ -4693,7 +4695,7 @@
           <p:cNvPr id="4" name="Text Placeholder 3">
             <a:extLst>
               <a:ext uri="{FF2B5EF4-FFF2-40B4-BE49-F238E27FC236}">
-                <a16:creationId xmlns:a16="http://schemas.microsoft.com/office/drawing/2014/main" id="{1BC9EF2E-A8CD-41A1-B11A-0D8842797A98}"/>
+                <a16:creationId xmlns:a16="http://schemas.microsoft.com/office/drawing/2014/main" xmlns="" id="{1BC9EF2E-A8CD-41A1-B11A-0D8842797A98}"/>
               </a:ext>
             </a:extLst>
           </p:cNvPr>
@@ -4766,7 +4768,7 @@
           <p:cNvPr id="5" name="Date Placeholder 4">
             <a:extLst>
               <a:ext uri="{FF2B5EF4-FFF2-40B4-BE49-F238E27FC236}">
-                <a16:creationId xmlns:a16="http://schemas.microsoft.com/office/drawing/2014/main" id="{B44257B5-0DE0-401F-9171-E8687A97DBA7}"/>
+                <a16:creationId xmlns:a16="http://schemas.microsoft.com/office/drawing/2014/main" xmlns="" id="{B44257B5-0DE0-401F-9171-E8687A97DBA7}"/>
               </a:ext>
             </a:extLst>
           </p:cNvPr>
@@ -4789,7 +4791,7 @@
           <a:p>
             <a:fld id="{02AC24A9-CCB6-4F8D-B8DB-C2F3692CFA5A}" type="datetimeFigureOut">
               <a:rPr lang="en-US" smtClean="0"/>
-              <a:t>2/16/2024</a:t>
+              <a:t>2/19/2024</a:t>
             </a:fld>
             <a:endParaRPr lang="en-US"/>
           </a:p>
@@ -4800,7 +4802,7 @@
           <p:cNvPr id="6" name="Footer Placeholder 5">
             <a:extLst>
               <a:ext uri="{FF2B5EF4-FFF2-40B4-BE49-F238E27FC236}">
-                <a16:creationId xmlns:a16="http://schemas.microsoft.com/office/drawing/2014/main" id="{788CD9AD-D667-4FD4-AA34-428AA0BCD09E}"/>
+                <a16:creationId xmlns:a16="http://schemas.microsoft.com/office/drawing/2014/main" xmlns="" id="{788CD9AD-D667-4FD4-AA34-428AA0BCD09E}"/>
               </a:ext>
             </a:extLst>
           </p:cNvPr>
@@ -4825,7 +4827,7 @@
           <p:cNvPr id="7" name="Slide Number Placeholder 6">
             <a:extLst>
               <a:ext uri="{FF2B5EF4-FFF2-40B4-BE49-F238E27FC236}">
-                <a16:creationId xmlns:a16="http://schemas.microsoft.com/office/drawing/2014/main" id="{18770FB6-F273-4BA6-8B97-9835AC537871}"/>
+                <a16:creationId xmlns:a16="http://schemas.microsoft.com/office/drawing/2014/main" xmlns="" id="{18770FB6-F273-4BA6-8B97-9835AC537871}"/>
               </a:ext>
             </a:extLst>
           </p:cNvPr>
@@ -4889,7 +4891,7 @@
           <p:cNvPr id="2" name="Title Placeholder 1">
             <a:extLst>
               <a:ext uri="{FF2B5EF4-FFF2-40B4-BE49-F238E27FC236}">
-                <a16:creationId xmlns:a16="http://schemas.microsoft.com/office/drawing/2014/main" id="{BB325BDE-35A4-4AAD-960B-C1415864ADD9}"/>
+                <a16:creationId xmlns:a16="http://schemas.microsoft.com/office/drawing/2014/main" xmlns="" id="{BB325BDE-35A4-4AAD-960B-C1415864ADD9}"/>
               </a:ext>
             </a:extLst>
           </p:cNvPr>
@@ -4928,7 +4930,7 @@
           <p:cNvPr id="3" name="Text Placeholder 2">
             <a:extLst>
               <a:ext uri="{FF2B5EF4-FFF2-40B4-BE49-F238E27FC236}">
-                <a16:creationId xmlns:a16="http://schemas.microsoft.com/office/drawing/2014/main" id="{BE459C78-0CC4-4552-93DD-49B4194D005D}"/>
+                <a16:creationId xmlns:a16="http://schemas.microsoft.com/office/drawing/2014/main" xmlns="" id="{BE459C78-0CC4-4552-93DD-49B4194D005D}"/>
               </a:ext>
             </a:extLst>
           </p:cNvPr>
@@ -4996,7 +4998,7 @@
           <p:cNvPr id="4" name="Date Placeholder 3">
             <a:extLst>
               <a:ext uri="{FF2B5EF4-FFF2-40B4-BE49-F238E27FC236}">
-                <a16:creationId xmlns:a16="http://schemas.microsoft.com/office/drawing/2014/main" id="{06744A3C-9C54-46A6-B3EF-5B36362423EB}"/>
+                <a16:creationId xmlns:a16="http://schemas.microsoft.com/office/drawing/2014/main" xmlns="" id="{06744A3C-9C54-46A6-B3EF-5B36362423EB}"/>
               </a:ext>
             </a:extLst>
           </p:cNvPr>
@@ -5032,7 +5034,7 @@
           <a:p>
             <a:fld id="{02AC24A9-CCB6-4F8D-B8DB-C2F3692CFA5A}" type="datetimeFigureOut">
               <a:rPr lang="en-US" smtClean="0"/>
-              <a:t>2/16/2024</a:t>
+              <a:t>2/19/2024</a:t>
             </a:fld>
             <a:endParaRPr lang="en-US"/>
           </a:p>
@@ -5043,7 +5045,7 @@
           <p:cNvPr id="5" name="Footer Placeholder 4">
             <a:extLst>
               <a:ext uri="{FF2B5EF4-FFF2-40B4-BE49-F238E27FC236}">
-                <a16:creationId xmlns:a16="http://schemas.microsoft.com/office/drawing/2014/main" id="{07D5A696-7B4B-4181-A961-7D66556D507F}"/>
+                <a16:creationId xmlns:a16="http://schemas.microsoft.com/office/drawing/2014/main" xmlns="" id="{07D5A696-7B4B-4181-A961-7D66556D507F}"/>
               </a:ext>
             </a:extLst>
           </p:cNvPr>
@@ -5086,7 +5088,7 @@
           <p:cNvPr id="6" name="Slide Number Placeholder 5">
             <a:extLst>
               <a:ext uri="{FF2B5EF4-FFF2-40B4-BE49-F238E27FC236}">
-                <a16:creationId xmlns:a16="http://schemas.microsoft.com/office/drawing/2014/main" id="{23038CB5-8F4A-401D-A3A9-B27DC15B7A81}"/>
+                <a16:creationId xmlns:a16="http://schemas.microsoft.com/office/drawing/2014/main" xmlns="" id="{23038CB5-8F4A-401D-A3A9-B27DC15B7A81}"/>
               </a:ext>
             </a:extLst>
           </p:cNvPr>
@@ -5462,10 +5464,10 @@
           <p:cNvPr id="9" name="Rectangle 8">
             <a:extLst>
               <a:ext uri="{FF2B5EF4-FFF2-40B4-BE49-F238E27FC236}">
-                <a16:creationId xmlns:a16="http://schemas.microsoft.com/office/drawing/2014/main" id="{526E0BFB-CDF1-4990-8C11-AC849311E0A8}"/>
+                <a16:creationId xmlns:a16="http://schemas.microsoft.com/office/drawing/2014/main" xmlns="" id="{526E0BFB-CDF1-4990-8C11-AC849311E0A8}"/>
               </a:ext>
               <a:ext uri="{C183D7F6-B498-43B3-948B-1728B52AA6E4}">
-                <adec:decorative xmlns:adec="http://schemas.microsoft.com/office/drawing/2017/decorative" val="1"/>
+                <adec:decorative xmlns:adec="http://schemas.microsoft.com/office/drawing/2017/decorative" xmlns="" val="1"/>
               </a:ext>
             </a:extLst>
           </p:cNvPr>
@@ -5475,7 +5477,7 @@
           <p:nvPr>
             <p:extLst>
               <p:ext uri="{386F3935-93C4-4BCD-93E2-E3B085C9AB24}">
-                <p16:designElem xmlns:p16="http://schemas.microsoft.com/office/powerpoint/2015/main" val="1"/>
+                <p16:designElem xmlns:p16="http://schemas.microsoft.com/office/powerpoint/2015/main" xmlns="" val="1"/>
               </p:ext>
             </p:extLst>
           </p:nvPr>
@@ -5522,7 +5524,7 @@
           <p:cNvPr id="4" name="Picture 3">
             <a:extLst>
               <a:ext uri="{FF2B5EF4-FFF2-40B4-BE49-F238E27FC236}">
-                <a16:creationId xmlns:a16="http://schemas.microsoft.com/office/drawing/2014/main" id="{4C72F330-992B-B125-739B-F8303ED3A097}"/>
+                <a16:creationId xmlns:a16="http://schemas.microsoft.com/office/drawing/2014/main" xmlns="" id="{4C72F330-992B-B125-739B-F8303ED3A097}"/>
               </a:ext>
             </a:extLst>
           </p:cNvPr>
@@ -5551,10 +5553,10 @@
           <p:cNvPr id="11" name="Rectangle 10">
             <a:extLst>
               <a:ext uri="{FF2B5EF4-FFF2-40B4-BE49-F238E27FC236}">
-                <a16:creationId xmlns:a16="http://schemas.microsoft.com/office/drawing/2014/main" id="{6069A1F8-9BEB-4786-9694-FC48B2D75D21}"/>
+                <a16:creationId xmlns:a16="http://schemas.microsoft.com/office/drawing/2014/main" xmlns="" id="{6069A1F8-9BEB-4786-9694-FC48B2D75D21}"/>
               </a:ext>
               <a:ext uri="{C183D7F6-B498-43B3-948B-1728B52AA6E4}">
-                <adec:decorative xmlns:adec="http://schemas.microsoft.com/office/drawing/2017/decorative" val="1"/>
+                <adec:decorative xmlns:adec="http://schemas.microsoft.com/office/drawing/2017/decorative" xmlns="" val="1"/>
               </a:ext>
             </a:extLst>
           </p:cNvPr>
@@ -5564,7 +5566,7 @@
           <p:nvPr>
             <p:extLst>
               <p:ext uri="{386F3935-93C4-4BCD-93E2-E3B085C9AB24}">
-                <p16:designElem xmlns:p16="http://schemas.microsoft.com/office/powerpoint/2015/main" val="1"/>
+                <p16:designElem xmlns:p16="http://schemas.microsoft.com/office/powerpoint/2015/main" xmlns="" val="1"/>
               </p:ext>
             </p:extLst>
           </p:nvPr>
@@ -5632,7 +5634,7 @@
           <p:cNvPr id="2" name="Titre 1">
             <a:extLst>
               <a:ext uri="{FF2B5EF4-FFF2-40B4-BE49-F238E27FC236}">
-                <a16:creationId xmlns:a16="http://schemas.microsoft.com/office/drawing/2014/main" id="{CF8D1EB8-F6E7-EB54-1CC8-28472070B9FC}"/>
+                <a16:creationId xmlns:a16="http://schemas.microsoft.com/office/drawing/2014/main" xmlns="" id="{CF8D1EB8-F6E7-EB54-1CC8-28472070B9FC}"/>
               </a:ext>
             </a:extLst>
           </p:cNvPr>
@@ -5667,7 +5669,7 @@
           <p:cNvPr id="3" name="Sous-titre 2">
             <a:extLst>
               <a:ext uri="{FF2B5EF4-FFF2-40B4-BE49-F238E27FC236}">
-                <a16:creationId xmlns:a16="http://schemas.microsoft.com/office/drawing/2014/main" id="{BDFEFAEF-AB6A-BE8F-01E7-845FB609FA07}"/>
+                <a16:creationId xmlns:a16="http://schemas.microsoft.com/office/drawing/2014/main" xmlns="" id="{BDFEFAEF-AB6A-BE8F-01E7-845FB609FA07}"/>
               </a:ext>
             </a:extLst>
           </p:cNvPr>
@@ -5702,10 +5704,10 @@
           <p:cNvPr id="32" name="Rectangle 12">
             <a:extLst>
               <a:ext uri="{FF2B5EF4-FFF2-40B4-BE49-F238E27FC236}">
-                <a16:creationId xmlns:a16="http://schemas.microsoft.com/office/drawing/2014/main" id="{AF2F604E-43BE-4DC3-B983-E071523364F8}"/>
+                <a16:creationId xmlns:a16="http://schemas.microsoft.com/office/drawing/2014/main" xmlns="" id="{AF2F604E-43BE-4DC3-B983-E071523364F8}"/>
               </a:ext>
               <a:ext uri="{C183D7F6-B498-43B3-948B-1728B52AA6E4}">
-                <adec:decorative xmlns:adec="http://schemas.microsoft.com/office/drawing/2017/decorative" val="1"/>
+                <adec:decorative xmlns:adec="http://schemas.microsoft.com/office/drawing/2017/decorative" xmlns="" val="1"/>
               </a:ext>
             </a:extLst>
           </p:cNvPr>
@@ -5715,7 +5717,7 @@
           <p:nvPr>
             <p:extLst>
               <p:ext uri="{386F3935-93C4-4BCD-93E2-E3B085C9AB24}">
-                <p16:designElem xmlns:p16="http://schemas.microsoft.com/office/powerpoint/2015/main" val="1"/>
+                <p16:designElem xmlns:p16="http://schemas.microsoft.com/office/powerpoint/2015/main" xmlns="" val="1"/>
               </p:ext>
             </p:extLst>
           </p:nvPr>
@@ -5794,10 +5796,10 @@
           <p:cNvPr id="33" name="Rectangle 14">
             <a:extLst>
               <a:ext uri="{FF2B5EF4-FFF2-40B4-BE49-F238E27FC236}">
-                <a16:creationId xmlns:a16="http://schemas.microsoft.com/office/drawing/2014/main" id="{08C9B587-E65E-4B52-B37C-ABEBB6E87928}"/>
+                <a16:creationId xmlns:a16="http://schemas.microsoft.com/office/drawing/2014/main" xmlns="" id="{08C9B587-E65E-4B52-B37C-ABEBB6E87928}"/>
               </a:ext>
               <a:ext uri="{C183D7F6-B498-43B3-948B-1728B52AA6E4}">
-                <adec:decorative xmlns:adec="http://schemas.microsoft.com/office/drawing/2017/decorative" val="1"/>
+                <adec:decorative xmlns:adec="http://schemas.microsoft.com/office/drawing/2017/decorative" xmlns="" val="1"/>
               </a:ext>
             </a:extLst>
           </p:cNvPr>
@@ -5807,7 +5809,7 @@
           <p:nvPr>
             <p:extLst>
               <p:ext uri="{386F3935-93C4-4BCD-93E2-E3B085C9AB24}">
-                <p16:designElem xmlns:p16="http://schemas.microsoft.com/office/powerpoint/2015/main" val="1"/>
+                <p16:designElem xmlns:p16="http://schemas.microsoft.com/office/powerpoint/2015/main" xmlns="" val="1"/>
               </p:ext>
             </p:extLst>
           </p:nvPr>
@@ -5887,7 +5889,7 @@
           <p:cNvPr id="5" name="Image 4" descr="Une image contenant texte&#10;&#10;Description générée automatiquement">
             <a:extLst>
               <a:ext uri="{FF2B5EF4-FFF2-40B4-BE49-F238E27FC236}">
-                <a16:creationId xmlns:a16="http://schemas.microsoft.com/office/drawing/2014/main" id="{3037BA79-FF20-6017-2C77-6E9611892AF9}"/>
+                <a16:creationId xmlns:a16="http://schemas.microsoft.com/office/drawing/2014/main" xmlns="" id="{3037BA79-FF20-6017-2C77-6E9611892AF9}"/>
               </a:ext>
             </a:extLst>
           </p:cNvPr>
@@ -5928,6 +5930,13 @@
   <p:clrMapOvr>
     <a:overrideClrMapping bg1="dk1" tx1="lt1" bg2="dk2" tx2="lt2" accent1="accent1" accent2="accent2" accent3="accent3" accent4="accent4" accent5="accent5" accent6="accent6" hlink="hlink" folHlink="folHlink"/>
   </p:clrMapOvr>
+  <p:timing>
+    <p:tnLst>
+      <p:par>
+        <p:cTn id="1" dur="indefinite" restart="never" nodeType="tmRoot"/>
+      </p:par>
+    </p:tnLst>
+  </p:timing>
 </p:sld>
 </file>
 
@@ -5939,7 +5948,7 @@
         <p:cNvPr id="1" name="">
           <a:extLst>
             <a:ext uri="{FF2B5EF4-FFF2-40B4-BE49-F238E27FC236}">
-              <a16:creationId xmlns:a16="http://schemas.microsoft.com/office/drawing/2014/main" id="{B1231036-643B-4D45-CCD9-9744B46330A9}"/>
+              <a16:creationId xmlns:a16="http://schemas.microsoft.com/office/drawing/2014/main" xmlns="" id="{B1231036-643B-4D45-CCD9-9744B46330A9}"/>
             </a:ext>
           </a:extLst>
         </p:cNvPr>
@@ -5959,7 +5968,7 @@
           <p:cNvPr id="2" name="Titre 1">
             <a:extLst>
               <a:ext uri="{FF2B5EF4-FFF2-40B4-BE49-F238E27FC236}">
-                <a16:creationId xmlns:a16="http://schemas.microsoft.com/office/drawing/2014/main" id="{DEA94815-E586-3EA5-30AB-7B6AFB199063}"/>
+                <a16:creationId xmlns:a16="http://schemas.microsoft.com/office/drawing/2014/main" xmlns="" id="{DEA94815-E586-3EA5-30AB-7B6AFB199063}"/>
               </a:ext>
             </a:extLst>
           </p:cNvPr>
@@ -5987,7 +5996,7 @@
           <p:cNvPr id="3" name="Espace réservé du contenu 2">
             <a:extLst>
               <a:ext uri="{FF2B5EF4-FFF2-40B4-BE49-F238E27FC236}">
-                <a16:creationId xmlns:a16="http://schemas.microsoft.com/office/drawing/2014/main" id="{14A43A3D-F3C8-288B-6D66-1B1AED4E149B}"/>
+                <a16:creationId xmlns:a16="http://schemas.microsoft.com/office/drawing/2014/main" xmlns="" id="{14A43A3D-F3C8-288B-6D66-1B1AED4E149B}"/>
               </a:ext>
             </a:extLst>
           </p:cNvPr>
@@ -6001,7 +6010,7 @@
         <p:spPr/>
         <p:txBody>
           <a:bodyPr>
-            <a:normAutofit/>
+            <a:normAutofit lnSpcReduction="10000"/>
           </a:bodyPr>
           <a:lstStyle/>
           <a:p>
@@ -6074,7 +6083,7 @@
           <p:cNvPr id="5" name="Image 4" descr="Une image contenant texte&#10;&#10;Description générée automatiquement">
             <a:extLst>
               <a:ext uri="{FF2B5EF4-FFF2-40B4-BE49-F238E27FC236}">
-                <a16:creationId xmlns:a16="http://schemas.microsoft.com/office/drawing/2014/main" id="{F00D6227-8A5A-D0E7-B503-5BD46714A8CD}"/>
+                <a16:creationId xmlns:a16="http://schemas.microsoft.com/office/drawing/2014/main" xmlns="" id="{F00D6227-8A5A-D0E7-B503-5BD46714A8CD}"/>
               </a:ext>
             </a:extLst>
           </p:cNvPr>
@@ -6110,7 +6119,7 @@
           <p:cNvPr id="8" name="Image 7">
             <a:extLst>
               <a:ext uri="{FF2B5EF4-FFF2-40B4-BE49-F238E27FC236}">
-                <a16:creationId xmlns:a16="http://schemas.microsoft.com/office/drawing/2014/main" id="{F9313975-E225-B89C-709A-C3CB7252E4F9}"/>
+                <a16:creationId xmlns:a16="http://schemas.microsoft.com/office/drawing/2014/main" xmlns="" id="{F9313975-E225-B89C-709A-C3CB7252E4F9}"/>
               </a:ext>
             </a:extLst>
           </p:cNvPr>
@@ -6127,7 +6136,7 @@
         </p:blipFill>
         <p:spPr>
           <a:xfrm>
-            <a:off x="3584448" y="5749336"/>
+            <a:off x="3759746" y="4106827"/>
             <a:ext cx="2404024" cy="868374"/>
           </a:xfrm>
           <a:prstGeom prst="rect">
@@ -6140,7 +6149,7 @@
           <p:cNvPr id="9" name="Image 8" descr="Une image contenant capture d’écran, Caractère coloré, texte&#10;&#10;Description générée automatiquement">
             <a:extLst>
               <a:ext uri="{FF2B5EF4-FFF2-40B4-BE49-F238E27FC236}">
-                <a16:creationId xmlns:a16="http://schemas.microsoft.com/office/drawing/2014/main" id="{6E034BAE-FDE9-C680-00B8-20E0E1B11E88}"/>
+                <a16:creationId xmlns:a16="http://schemas.microsoft.com/office/drawing/2014/main" xmlns="" id="{6E034BAE-FDE9-C680-00B8-20E0E1B11E88}"/>
               </a:ext>
             </a:extLst>
           </p:cNvPr>
@@ -6176,7 +6185,7 @@
           <p:cNvPr id="10" name="Image 9" descr="Une image contenant texte, capture d’écran, diagramme, cercle&#10;&#10;Description générée automatiquement">
             <a:extLst>
               <a:ext uri="{FF2B5EF4-FFF2-40B4-BE49-F238E27FC236}">
-                <a16:creationId xmlns:a16="http://schemas.microsoft.com/office/drawing/2014/main" id="{882AB707-FD91-3C7C-4A97-A1F930ABC8D1}"/>
+                <a16:creationId xmlns:a16="http://schemas.microsoft.com/office/drawing/2014/main" xmlns="" id="{882AB707-FD91-3C7C-4A97-A1F930ABC8D1}"/>
               </a:ext>
             </a:extLst>
           </p:cNvPr>
@@ -6212,7 +6221,7 @@
           <p:cNvPr id="12" name="Image 11" descr="Une image contenant capture d’écran, texte, Caractère coloré&#10;&#10;Description générée automatiquement">
             <a:extLst>
               <a:ext uri="{FF2B5EF4-FFF2-40B4-BE49-F238E27FC236}">
-                <a16:creationId xmlns:a16="http://schemas.microsoft.com/office/drawing/2014/main" id="{F3464828-A382-E82A-D85C-053B97C517CC}"/>
+                <a16:creationId xmlns:a16="http://schemas.microsoft.com/office/drawing/2014/main" xmlns="" id="{F3464828-A382-E82A-D85C-053B97C517CC}"/>
               </a:ext>
             </a:extLst>
           </p:cNvPr>
@@ -6248,7 +6257,7 @@
           <p:cNvPr id="14" name="Image 13" descr="Une image contenant texte, cercle, capture d’écran, diagramme&#10;&#10;Description générée automatiquement">
             <a:extLst>
               <a:ext uri="{FF2B5EF4-FFF2-40B4-BE49-F238E27FC236}">
-                <a16:creationId xmlns:a16="http://schemas.microsoft.com/office/drawing/2014/main" id="{1FECF6EC-A061-D119-D5FD-C1AA3E1F2CC9}"/>
+                <a16:creationId xmlns:a16="http://schemas.microsoft.com/office/drawing/2014/main" xmlns="" id="{1FECF6EC-A061-D119-D5FD-C1AA3E1F2CC9}"/>
               </a:ext>
             </a:extLst>
           </p:cNvPr>
@@ -6284,7 +6293,7 @@
           <p:cNvPr id="15" name="Image 14" descr="Une image contenant texte, capture d’écran, diagramme, cercle&#10;&#10;Description générée automatiquement">
             <a:extLst>
               <a:ext uri="{FF2B5EF4-FFF2-40B4-BE49-F238E27FC236}">
-                <a16:creationId xmlns:a16="http://schemas.microsoft.com/office/drawing/2014/main" id="{F7C0FCC6-A0A4-17E0-FE55-FD01E6AF401B}"/>
+                <a16:creationId xmlns:a16="http://schemas.microsoft.com/office/drawing/2014/main" xmlns="" id="{F7C0FCC6-A0A4-17E0-FE55-FD01E6AF401B}"/>
               </a:ext>
             </a:extLst>
           </p:cNvPr>
@@ -6294,7 +6303,7 @@
           <p:nvPr/>
         </p:nvPicPr>
         <p:blipFill>
-          <a:blip r:embed="rId5">
+          <a:blip r:embed="rId8" cstate="print">
             <a:extLst>
               <a:ext uri="{28A0092B-C50C-407E-A947-70E740481C1C}">
                 <a14:useLocalDpi xmlns:a14="http://schemas.microsoft.com/office/drawing/2010/main" val="0"/>
@@ -6325,6 +6334,13 @@
   <p:clrMapOvr>
     <a:masterClrMapping/>
   </p:clrMapOvr>
+  <p:timing>
+    <p:tnLst>
+      <p:par>
+        <p:cTn id="1" dur="indefinite" restart="never" nodeType="tmRoot"/>
+      </p:par>
+    </p:tnLst>
+  </p:timing>
 </p:sld>
 </file>
 
@@ -6336,7 +6352,7 @@
         <p:cNvPr id="1" name="">
           <a:extLst>
             <a:ext uri="{FF2B5EF4-FFF2-40B4-BE49-F238E27FC236}">
-              <a16:creationId xmlns:a16="http://schemas.microsoft.com/office/drawing/2014/main" id="{F8BDD245-775F-C972-3CC3-DAF7C39D5BE6}"/>
+              <a16:creationId xmlns:a16="http://schemas.microsoft.com/office/drawing/2014/main" xmlns="" id="{F8BDD245-775F-C972-3CC3-DAF7C39D5BE6}"/>
             </a:ext>
           </a:extLst>
         </p:cNvPr>
@@ -6356,7 +6372,7 @@
           <p:cNvPr id="2" name="Titre 1">
             <a:extLst>
               <a:ext uri="{FF2B5EF4-FFF2-40B4-BE49-F238E27FC236}">
-                <a16:creationId xmlns:a16="http://schemas.microsoft.com/office/drawing/2014/main" id="{FFEE568B-60F4-2AA1-10E9-2B56E9E039A3}"/>
+                <a16:creationId xmlns:a16="http://schemas.microsoft.com/office/drawing/2014/main" xmlns="" id="{FFEE568B-60F4-2AA1-10E9-2B56E9E039A3}"/>
               </a:ext>
             </a:extLst>
           </p:cNvPr>
@@ -6384,7 +6400,7 @@
           <p:cNvPr id="3" name="Espace réservé du contenu 2">
             <a:extLst>
               <a:ext uri="{FF2B5EF4-FFF2-40B4-BE49-F238E27FC236}">
-                <a16:creationId xmlns:a16="http://schemas.microsoft.com/office/drawing/2014/main" id="{0518505E-0209-3E7D-1323-66A3250BBEA8}"/>
+                <a16:creationId xmlns:a16="http://schemas.microsoft.com/office/drawing/2014/main" xmlns="" id="{0518505E-0209-3E7D-1323-66A3250BBEA8}"/>
               </a:ext>
             </a:extLst>
           </p:cNvPr>
@@ -6443,7 +6459,7 @@
           <p:cNvPr id="5" name="Image 4" descr="Une image contenant texte&#10;&#10;Description générée automatiquement">
             <a:extLst>
               <a:ext uri="{FF2B5EF4-FFF2-40B4-BE49-F238E27FC236}">
-                <a16:creationId xmlns:a16="http://schemas.microsoft.com/office/drawing/2014/main" id="{B84FCF14-F70D-A149-8498-9A7E355AF67C}"/>
+                <a16:creationId xmlns:a16="http://schemas.microsoft.com/office/drawing/2014/main" xmlns="" id="{B84FCF14-F70D-A149-8498-9A7E355AF67C}"/>
               </a:ext>
             </a:extLst>
           </p:cNvPr>
@@ -6479,7 +6495,7 @@
           <p:cNvPr id="6" name="ZoneTexte 5">
             <a:extLst>
               <a:ext uri="{FF2B5EF4-FFF2-40B4-BE49-F238E27FC236}">
-                <a16:creationId xmlns:a16="http://schemas.microsoft.com/office/drawing/2014/main" id="{B7114882-8F29-1019-24F2-23A2E4B6676E}"/>
+                <a16:creationId xmlns:a16="http://schemas.microsoft.com/office/drawing/2014/main" xmlns="" id="{B7114882-8F29-1019-24F2-23A2E4B6676E}"/>
               </a:ext>
             </a:extLst>
           </p:cNvPr>
@@ -6598,7 +6614,7 @@
           <p:cNvPr id="11" name="ZoneTexte 10">
             <a:extLst>
               <a:ext uri="{FF2B5EF4-FFF2-40B4-BE49-F238E27FC236}">
-                <a16:creationId xmlns:a16="http://schemas.microsoft.com/office/drawing/2014/main" id="{D4FC7220-A1C2-BA6C-4BAE-1E88F1885185}"/>
+                <a16:creationId xmlns:a16="http://schemas.microsoft.com/office/drawing/2014/main" xmlns="" id="{D4FC7220-A1C2-BA6C-4BAE-1E88F1885185}"/>
               </a:ext>
             </a:extLst>
           </p:cNvPr>
@@ -6646,7 +6662,7 @@
           <p:cNvPr id="15" name="ZoneTexte 14">
             <a:extLst>
               <a:ext uri="{FF2B5EF4-FFF2-40B4-BE49-F238E27FC236}">
-                <a16:creationId xmlns:a16="http://schemas.microsoft.com/office/drawing/2014/main" id="{C9FD8A01-ECD6-4939-66EF-1C929B9934F7}"/>
+                <a16:creationId xmlns:a16="http://schemas.microsoft.com/office/drawing/2014/main" xmlns="" id="{C9FD8A01-ECD6-4939-66EF-1C929B9934F7}"/>
               </a:ext>
             </a:extLst>
           </p:cNvPr>
@@ -6691,7 +6707,7 @@
           <p:cNvPr id="16" name="ZoneTexte 15">
             <a:extLst>
               <a:ext uri="{FF2B5EF4-FFF2-40B4-BE49-F238E27FC236}">
-                <a16:creationId xmlns:a16="http://schemas.microsoft.com/office/drawing/2014/main" id="{99FA02C1-9272-E7E1-3A69-1F260BF8EDF2}"/>
+                <a16:creationId xmlns:a16="http://schemas.microsoft.com/office/drawing/2014/main" xmlns="" id="{99FA02C1-9272-E7E1-3A69-1F260BF8EDF2}"/>
               </a:ext>
             </a:extLst>
           </p:cNvPr>
@@ -6774,7 +6790,7 @@
           <p:cNvPr id="17" name="ZoneTexte 16">
             <a:extLst>
               <a:ext uri="{FF2B5EF4-FFF2-40B4-BE49-F238E27FC236}">
-                <a16:creationId xmlns:a16="http://schemas.microsoft.com/office/drawing/2014/main" id="{43DD19EC-D0B8-9947-3D97-46262A174CDB}"/>
+                <a16:creationId xmlns:a16="http://schemas.microsoft.com/office/drawing/2014/main" xmlns="" id="{43DD19EC-D0B8-9947-3D97-46262A174CDB}"/>
               </a:ext>
             </a:extLst>
           </p:cNvPr>
@@ -6819,7 +6835,7 @@
           <p:cNvPr id="18" name="ZoneTexte 17">
             <a:extLst>
               <a:ext uri="{FF2B5EF4-FFF2-40B4-BE49-F238E27FC236}">
-                <a16:creationId xmlns:a16="http://schemas.microsoft.com/office/drawing/2014/main" id="{505E8948-47CA-4F5C-2704-48F057895C5D}"/>
+                <a16:creationId xmlns:a16="http://schemas.microsoft.com/office/drawing/2014/main" xmlns="" id="{505E8948-47CA-4F5C-2704-48F057895C5D}"/>
               </a:ext>
             </a:extLst>
           </p:cNvPr>
@@ -6861,7 +6877,7 @@
           <p:cNvPr id="19" name="Image 18" descr="Une image contenant texte, capture d’écran, diagramme, cercle&#10;&#10;Description générée automatiquement">
             <a:extLst>
               <a:ext uri="{FF2B5EF4-FFF2-40B4-BE49-F238E27FC236}">
-                <a16:creationId xmlns:a16="http://schemas.microsoft.com/office/drawing/2014/main" id="{AB9CC2AB-1B1E-7560-B8C3-57A2F01B5008}"/>
+                <a16:creationId xmlns:a16="http://schemas.microsoft.com/office/drawing/2014/main" xmlns="" id="{AB9CC2AB-1B1E-7560-B8C3-57A2F01B5008}"/>
               </a:ext>
             </a:extLst>
           </p:cNvPr>
@@ -6871,7 +6887,7 @@
           <p:nvPr/>
         </p:nvPicPr>
         <p:blipFill>
-          <a:blip r:embed="rId3">
+          <a:blip r:embed="rId3" cstate="print">
             <a:extLst>
               <a:ext uri="{28A0092B-C50C-407E-A947-70E740481C1C}">
                 <a14:useLocalDpi xmlns:a14="http://schemas.microsoft.com/office/drawing/2010/main" val="0"/>
@@ -6902,6 +6918,1102 @@
   <p:clrMapOvr>
     <a:masterClrMapping/>
   </p:clrMapOvr>
+  <p:timing>
+    <p:tnLst>
+      <p:par>
+        <p:cTn id="1" dur="indefinite" restart="never" nodeType="tmRoot"/>
+      </p:par>
+    </p:tnLst>
+  </p:timing>
+</p:sld>
+</file>
+
+<file path=ppt/slides/slide12.xml><?xml version="1.0" encoding="utf-8"?>
+<p:sld xmlns:a="http://schemas.openxmlformats.org/drawingml/2006/main" xmlns:r="http://schemas.openxmlformats.org/officeDocument/2006/relationships" xmlns:p="http://schemas.openxmlformats.org/presentationml/2006/main">
+  <p:cSld>
+    <p:spTree>
+      <p:nvGrpSpPr>
+        <p:cNvPr id="1" name="">
+          <a:extLst>
+            <a:ext uri="{FF2B5EF4-FFF2-40B4-BE49-F238E27FC236}">
+              <a16:creationId xmlns:a16="http://schemas.microsoft.com/office/drawing/2014/main" xmlns="" id="{F8BDD245-775F-C972-3CC3-DAF7C39D5BE6}"/>
+            </a:ext>
+          </a:extLst>
+        </p:cNvPr>
+        <p:cNvGrpSpPr/>
+        <p:nvPr/>
+      </p:nvGrpSpPr>
+      <p:grpSpPr>
+        <a:xfrm>
+          <a:off x="0" y="0"/>
+          <a:ext cx="0" cy="0"/>
+          <a:chOff x="0" y="0"/>
+          <a:chExt cx="0" cy="0"/>
+        </a:xfrm>
+      </p:grpSpPr>
+      <p:pic>
+        <p:nvPicPr>
+          <p:cNvPr id="3" name="Image 2"/>
+          <p:cNvPicPr>
+            <a:picLocks noChangeAspect="1"/>
+          </p:cNvPicPr>
+          <p:nvPr/>
+        </p:nvPicPr>
+        <p:blipFill rotWithShape="1">
+          <a:blip r:embed="rId2"/>
+          <a:srcRect t="21796"/>
+          <a:stretch/>
+        </p:blipFill>
+        <p:spPr>
+          <a:xfrm>
+            <a:off x="127431" y="2259373"/>
+            <a:ext cx="11765280" cy="2196426"/>
+          </a:xfrm>
+          <a:prstGeom prst="rect">
+            <a:avLst/>
+          </a:prstGeom>
+        </p:spPr>
+      </p:pic>
+      <p:sp>
+        <p:nvSpPr>
+          <p:cNvPr id="2" name="Titre 1">
+            <a:extLst>
+              <a:ext uri="{FF2B5EF4-FFF2-40B4-BE49-F238E27FC236}">
+                <a16:creationId xmlns:a16="http://schemas.microsoft.com/office/drawing/2014/main" xmlns="" id="{FFEE568B-60F4-2AA1-10E9-2B56E9E039A3}"/>
+              </a:ext>
+            </a:extLst>
+          </p:cNvPr>
+          <p:cNvSpPr>
+            <a:spLocks noGrp="1"/>
+          </p:cNvSpPr>
+          <p:nvPr>
+            <p:ph type="title"/>
+          </p:nvPr>
+        </p:nvSpPr>
+        <p:spPr/>
+        <p:txBody>
+          <a:bodyPr/>
+          <a:lstStyle/>
+          <a:p>
+            <a:r>
+              <a:rPr lang="fr-FR"/>
+              <a:t>Projet </a:t>
+            </a:r>
+            <a:r>
+              <a:rPr lang="fr-FR" smtClean="0"/>
+              <a:t>B </a:t>
+            </a:r>
+            <a:r>
+              <a:rPr lang="fr-FR"/>
+              <a:t>/ </a:t>
+            </a:r>
+            <a:r>
+              <a:rPr lang="fr-FR" smtClean="0"/>
+              <a:t>Tracé de rayons en 3D</a:t>
+            </a:r>
+            <a:endParaRPr lang="fr-FR" dirty="0"/>
+          </a:p>
+        </p:txBody>
+      </p:sp>
+      <p:pic>
+        <p:nvPicPr>
+          <p:cNvPr id="5" name="Image 4" descr="Une image contenant texte&#10;&#10;Description générée automatiquement">
+            <a:extLst>
+              <a:ext uri="{FF2B5EF4-FFF2-40B4-BE49-F238E27FC236}">
+                <a16:creationId xmlns:a16="http://schemas.microsoft.com/office/drawing/2014/main" xmlns="" id="{B84FCF14-F70D-A149-8498-9A7E355AF67C}"/>
+              </a:ext>
+            </a:extLst>
+          </p:cNvPr>
+          <p:cNvPicPr>
+            <a:picLocks noChangeAspect="1"/>
+          </p:cNvPicPr>
+          <p:nvPr/>
+        </p:nvPicPr>
+        <p:blipFill>
+          <a:blip r:embed="rId3" cstate="print">
+            <a:extLst>
+              <a:ext uri="{28A0092B-C50C-407E-A947-70E740481C1C}">
+                <a14:useLocalDpi xmlns:a14="http://schemas.microsoft.com/office/drawing/2010/main" val="0"/>
+              </a:ext>
+            </a:extLst>
+          </a:blip>
+          <a:stretch>
+            <a:fillRect/>
+          </a:stretch>
+        </p:blipFill>
+        <p:spPr>
+          <a:xfrm>
+            <a:off x="202922" y="5934456"/>
+            <a:ext cx="1825291" cy="749808"/>
+          </a:xfrm>
+          <a:prstGeom prst="rect">
+            <a:avLst/>
+          </a:prstGeom>
+        </p:spPr>
+      </p:pic>
+      <p:pic>
+        <p:nvPicPr>
+          <p:cNvPr id="12" name="Image 11" descr="Une image contenant texte, diagramme&#10;&#10;Description générée automatiquement">
+            <a:extLst>
+              <a:ext uri="{FF2B5EF4-FFF2-40B4-BE49-F238E27FC236}">
+                <a16:creationId xmlns:a16="http://schemas.microsoft.com/office/drawing/2014/main" xmlns="" id="{2F2B36A4-2F5C-99E0-0626-8E1D0AB71281}"/>
+              </a:ext>
+            </a:extLst>
+          </p:cNvPr>
+          <p:cNvPicPr>
+            <a:picLocks noChangeAspect="1"/>
+          </p:cNvPicPr>
+          <p:nvPr/>
+        </p:nvPicPr>
+        <p:blipFill rotWithShape="1">
+          <a:blip r:embed="rId4">
+            <a:extLst>
+              <a:ext uri="{28A0092B-C50C-407E-A947-70E740481C1C}">
+                <a14:useLocalDpi xmlns:a14="http://schemas.microsoft.com/office/drawing/2010/main" val="0"/>
+              </a:ext>
+            </a:extLst>
+          </a:blip>
+          <a:srcRect l="35962" r="35817"/>
+          <a:stretch/>
+        </p:blipFill>
+        <p:spPr>
+          <a:xfrm>
+            <a:off x="9483635" y="110979"/>
+            <a:ext cx="1704267" cy="1741451"/>
+          </a:xfrm>
+          <a:prstGeom prst="rect">
+            <a:avLst/>
+          </a:prstGeom>
+        </p:spPr>
+      </p:pic>
+      <p:pic>
+        <p:nvPicPr>
+          <p:cNvPr id="4" name="Image 3"/>
+          <p:cNvPicPr>
+            <a:picLocks noChangeAspect="1"/>
+          </p:cNvPicPr>
+          <p:nvPr/>
+        </p:nvPicPr>
+        <p:blipFill>
+          <a:blip r:embed="rId5"/>
+          <a:stretch>
+            <a:fillRect/>
+          </a:stretch>
+        </p:blipFill>
+        <p:spPr>
+          <a:xfrm>
+            <a:off x="6010071" y="4291276"/>
+            <a:ext cx="2383836" cy="2462221"/>
+          </a:xfrm>
+          <a:prstGeom prst="rect">
+            <a:avLst/>
+          </a:prstGeom>
+        </p:spPr>
+      </p:pic>
+      <p:pic>
+        <p:nvPicPr>
+          <p:cNvPr id="7" name="Image 6"/>
+          <p:cNvPicPr>
+            <a:picLocks noChangeAspect="1"/>
+          </p:cNvPicPr>
+          <p:nvPr/>
+        </p:nvPicPr>
+        <p:blipFill>
+          <a:blip r:embed="rId6"/>
+          <a:stretch>
+            <a:fillRect/>
+          </a:stretch>
+        </p:blipFill>
+        <p:spPr>
+          <a:xfrm>
+            <a:off x="8865027" y="4331585"/>
+            <a:ext cx="2322875" cy="2421912"/>
+          </a:xfrm>
+          <a:prstGeom prst="rect">
+            <a:avLst/>
+          </a:prstGeom>
+        </p:spPr>
+      </p:pic>
+      <p:pic>
+        <p:nvPicPr>
+          <p:cNvPr id="8" name="Image 7"/>
+          <p:cNvPicPr>
+            <a:picLocks noChangeAspect="1"/>
+          </p:cNvPicPr>
+          <p:nvPr/>
+        </p:nvPicPr>
+        <p:blipFill>
+          <a:blip r:embed="rId7"/>
+          <a:stretch>
+            <a:fillRect/>
+          </a:stretch>
+        </p:blipFill>
+        <p:spPr>
+          <a:xfrm>
+            <a:off x="7947294" y="4291276"/>
+            <a:ext cx="1364347" cy="874962"/>
+          </a:xfrm>
+          <a:prstGeom prst="rect">
+            <a:avLst/>
+          </a:prstGeom>
+        </p:spPr>
+      </p:pic>
+      <p:sp>
+        <p:nvSpPr>
+          <p:cNvPr id="19" name="ZoneTexte 18">
+            <a:extLst>
+              <a:ext uri="{FF2B5EF4-FFF2-40B4-BE49-F238E27FC236}">
+                <a16:creationId xmlns:a16="http://schemas.microsoft.com/office/drawing/2014/main" xmlns="" id="{B7114882-8F29-1019-24F2-23A2E4B6676E}"/>
+              </a:ext>
+            </a:extLst>
+          </p:cNvPr>
+          <p:cNvSpPr txBox="1"/>
+          <p:nvPr/>
+        </p:nvSpPr>
+        <p:spPr>
+          <a:xfrm>
+            <a:off x="202922" y="4566073"/>
+            <a:ext cx="5248644" cy="1200329"/>
+          </a:xfrm>
+          <a:prstGeom prst="rect">
+            <a:avLst/>
+          </a:prstGeom>
+          <a:noFill/>
+        </p:spPr>
+        <p:txBody>
+          <a:bodyPr wrap="square">
+            <a:spAutoFit/>
+          </a:bodyPr>
+          <a:lstStyle/>
+          <a:p>
+            <a:r>
+              <a:rPr lang="fr-FR" smtClean="0">
+                <a:solidFill>
+                  <a:schemeClr val="tx1">
+                    <a:lumMod val="75000"/>
+                    <a:lumOff val="25000"/>
+                  </a:schemeClr>
+                </a:solidFill>
+                <a:latin typeface="LMRomanDemi10-Regular"/>
+              </a:rPr>
+              <a:t>Loi de Snell/Descartes appliquées en 3D</a:t>
+            </a:r>
+          </a:p>
+          <a:p>
+            <a:endParaRPr lang="fr-FR" sz="1800">
+              <a:solidFill>
+                <a:schemeClr val="tx1">
+                  <a:lumMod val="75000"/>
+                  <a:lumOff val="25000"/>
+                </a:schemeClr>
+              </a:solidFill>
+              <a:latin typeface="LMRomanDemi10-Regular"/>
+            </a:endParaRPr>
+          </a:p>
+          <a:p>
+            <a:r>
+              <a:rPr lang="fr-FR" smtClean="0">
+                <a:solidFill>
+                  <a:schemeClr val="tx1">
+                    <a:lumMod val="75000"/>
+                    <a:lumOff val="25000"/>
+                  </a:schemeClr>
+                </a:solidFill>
+                <a:latin typeface="LMRomanDemi10-Regular"/>
+              </a:rPr>
+              <a:t>Les dimensions de la tache image renseigne sur la qualité de l’image et les aberrations optiques</a:t>
+            </a:r>
+            <a:endParaRPr lang="fr-FR" sz="1800" dirty="0">
+              <a:solidFill>
+                <a:schemeClr val="tx1">
+                  <a:lumMod val="75000"/>
+                  <a:lumOff val="25000"/>
+                </a:schemeClr>
+              </a:solidFill>
+              <a:latin typeface="LMRomanDemi10-Regular"/>
+            </a:endParaRPr>
+          </a:p>
+        </p:txBody>
+      </p:sp>
+    </p:spTree>
+    <p:extLst>
+      <p:ext uri="{BB962C8B-B14F-4D97-AF65-F5344CB8AC3E}">
+        <p14:creationId xmlns:p14="http://schemas.microsoft.com/office/powerpoint/2010/main" val="638624536"/>
+      </p:ext>
+    </p:extLst>
+  </p:cSld>
+  <p:clrMapOvr>
+    <a:masterClrMapping/>
+  </p:clrMapOvr>
+  <p:timing>
+    <p:tnLst>
+      <p:par>
+        <p:cTn id="1" dur="indefinite" restart="never" nodeType="tmRoot"/>
+      </p:par>
+    </p:tnLst>
+  </p:timing>
+</p:sld>
+</file>
+
+<file path=ppt/slides/slide13.xml><?xml version="1.0" encoding="utf-8"?>
+<p:sld xmlns:a="http://schemas.openxmlformats.org/drawingml/2006/main" xmlns:r="http://schemas.openxmlformats.org/officeDocument/2006/relationships" xmlns:p="http://schemas.openxmlformats.org/presentationml/2006/main">
+  <p:cSld>
+    <p:spTree>
+      <p:nvGrpSpPr>
+        <p:cNvPr id="1" name="">
+          <a:extLst>
+            <a:ext uri="{FF2B5EF4-FFF2-40B4-BE49-F238E27FC236}">
+              <a16:creationId xmlns:a16="http://schemas.microsoft.com/office/drawing/2014/main" xmlns="" id="{F8BDD245-775F-C972-3CC3-DAF7C39D5BE6}"/>
+            </a:ext>
+          </a:extLst>
+        </p:cNvPr>
+        <p:cNvGrpSpPr/>
+        <p:nvPr/>
+      </p:nvGrpSpPr>
+      <p:grpSpPr>
+        <a:xfrm>
+          <a:off x="0" y="0"/>
+          <a:ext cx="0" cy="0"/>
+          <a:chOff x="0" y="0"/>
+          <a:chExt cx="0" cy="0"/>
+        </a:xfrm>
+      </p:grpSpPr>
+      <p:sp>
+        <p:nvSpPr>
+          <p:cNvPr id="2" name="Titre 1">
+            <a:extLst>
+              <a:ext uri="{FF2B5EF4-FFF2-40B4-BE49-F238E27FC236}">
+                <a16:creationId xmlns:a16="http://schemas.microsoft.com/office/drawing/2014/main" xmlns="" id="{FFEE568B-60F4-2AA1-10E9-2B56E9E039A3}"/>
+              </a:ext>
+            </a:extLst>
+          </p:cNvPr>
+          <p:cNvSpPr>
+            <a:spLocks noGrp="1"/>
+          </p:cNvSpPr>
+          <p:nvPr>
+            <p:ph type="title"/>
+          </p:nvPr>
+        </p:nvSpPr>
+        <p:spPr/>
+        <p:txBody>
+          <a:bodyPr/>
+          <a:lstStyle/>
+          <a:p>
+            <a:r>
+              <a:rPr lang="fr-FR"/>
+              <a:t>Projet </a:t>
+            </a:r>
+            <a:r>
+              <a:rPr lang="fr-FR" smtClean="0"/>
+              <a:t>B </a:t>
+            </a:r>
+            <a:r>
+              <a:rPr lang="fr-FR"/>
+              <a:t>/ </a:t>
+            </a:r>
+            <a:r>
+              <a:rPr lang="fr-FR" smtClean="0"/>
+              <a:t>Tracé de rayons en 3D</a:t>
+            </a:r>
+            <a:endParaRPr lang="fr-FR" dirty="0"/>
+          </a:p>
+        </p:txBody>
+      </p:sp>
+      <p:pic>
+        <p:nvPicPr>
+          <p:cNvPr id="5" name="Image 4" descr="Une image contenant texte&#10;&#10;Description générée automatiquement">
+            <a:extLst>
+              <a:ext uri="{FF2B5EF4-FFF2-40B4-BE49-F238E27FC236}">
+                <a16:creationId xmlns:a16="http://schemas.microsoft.com/office/drawing/2014/main" xmlns="" id="{B84FCF14-F70D-A149-8498-9A7E355AF67C}"/>
+              </a:ext>
+            </a:extLst>
+          </p:cNvPr>
+          <p:cNvPicPr>
+            <a:picLocks noChangeAspect="1"/>
+          </p:cNvPicPr>
+          <p:nvPr/>
+        </p:nvPicPr>
+        <p:blipFill>
+          <a:blip r:embed="rId2" cstate="print">
+            <a:extLst>
+              <a:ext uri="{28A0092B-C50C-407E-A947-70E740481C1C}">
+                <a14:useLocalDpi xmlns:a14="http://schemas.microsoft.com/office/drawing/2010/main" val="0"/>
+              </a:ext>
+            </a:extLst>
+          </a:blip>
+          <a:stretch>
+            <a:fillRect/>
+          </a:stretch>
+        </p:blipFill>
+        <p:spPr>
+          <a:xfrm>
+            <a:off x="202922" y="5934456"/>
+            <a:ext cx="1825291" cy="749808"/>
+          </a:xfrm>
+          <a:prstGeom prst="rect">
+            <a:avLst/>
+          </a:prstGeom>
+        </p:spPr>
+      </p:pic>
+      <p:sp>
+        <p:nvSpPr>
+          <p:cNvPr id="6" name="ZoneTexte 5">
+            <a:extLst>
+              <a:ext uri="{FF2B5EF4-FFF2-40B4-BE49-F238E27FC236}">
+                <a16:creationId xmlns:a16="http://schemas.microsoft.com/office/drawing/2014/main" xmlns="" id="{B7114882-8F29-1019-24F2-23A2E4B6676E}"/>
+              </a:ext>
+            </a:extLst>
+          </p:cNvPr>
+          <p:cNvSpPr txBox="1"/>
+          <p:nvPr/>
+        </p:nvSpPr>
+        <p:spPr>
+          <a:xfrm>
+            <a:off x="7018060" y="2684305"/>
+            <a:ext cx="4903974" cy="2308324"/>
+          </a:xfrm>
+          <a:prstGeom prst="rect">
+            <a:avLst/>
+          </a:prstGeom>
+          <a:noFill/>
+        </p:spPr>
+        <p:txBody>
+          <a:bodyPr wrap="square">
+            <a:spAutoFit/>
+          </a:bodyPr>
+          <a:lstStyle/>
+          <a:p>
+            <a:pPr marL="285750" indent="-285750">
+              <a:buFont typeface="Wingdings" panose="05000000000000000000" pitchFamily="2" charset="2"/>
+              <a:buChar char="v"/>
+            </a:pPr>
+            <a:r>
+              <a:rPr lang="fr-FR">
+                <a:solidFill>
+                  <a:schemeClr val="tx1">
+                    <a:lumMod val="75000"/>
+                    <a:lumOff val="25000"/>
+                  </a:schemeClr>
+                </a:solidFill>
+                <a:latin typeface="LMRomanDemi10-Regular"/>
+              </a:rPr>
+              <a:t>Définir un rayon et un </a:t>
+            </a:r>
+            <a:r>
+              <a:rPr lang="fr-FR">
+                <a:solidFill>
+                  <a:schemeClr val="tx1">
+                    <a:lumMod val="75000"/>
+                    <a:lumOff val="25000"/>
+                  </a:schemeClr>
+                </a:solidFill>
+                <a:latin typeface="LMRomanDemi10-Regular"/>
+              </a:rPr>
+              <a:t>dioptre </a:t>
+            </a:r>
+            <a:r>
+              <a:rPr lang="fr-FR" smtClean="0">
+                <a:solidFill>
+                  <a:schemeClr val="tx1">
+                    <a:lumMod val="75000"/>
+                    <a:lumOff val="25000"/>
+                  </a:schemeClr>
+                </a:solidFill>
+                <a:latin typeface="LMRomanDemi10-Regular"/>
+              </a:rPr>
+              <a:t>sphérique</a:t>
+            </a:r>
+          </a:p>
+          <a:p>
+            <a:pPr marL="285750" indent="-285750">
+              <a:buFont typeface="Wingdings" panose="05000000000000000000" pitchFamily="2" charset="2"/>
+              <a:buChar char="v"/>
+            </a:pPr>
+            <a:r>
+              <a:rPr lang="fr-FR" smtClean="0">
+                <a:solidFill>
+                  <a:schemeClr val="tx1">
+                    <a:lumMod val="75000"/>
+                    <a:lumOff val="25000"/>
+                  </a:schemeClr>
+                </a:solidFill>
+                <a:latin typeface="LMRomanDemi10-Regular"/>
+              </a:rPr>
+              <a:t>Définir </a:t>
+            </a:r>
+            <a:r>
+              <a:rPr lang="fr-FR" sz="1800">
+                <a:solidFill>
+                  <a:schemeClr val="tx1">
+                    <a:lumMod val="75000"/>
+                    <a:lumOff val="25000"/>
+                  </a:schemeClr>
+                </a:solidFill>
+                <a:latin typeface="LMRomanDemi10-Regular"/>
+              </a:rPr>
+              <a:t>un </a:t>
+            </a:r>
+            <a:r>
+              <a:rPr lang="fr-FR" sz="1800" smtClean="0">
+                <a:solidFill>
+                  <a:schemeClr val="tx1">
+                    <a:lumMod val="75000"/>
+                    <a:lumOff val="25000"/>
+                  </a:schemeClr>
+                </a:solidFill>
+                <a:latin typeface="LMRomanDemi10-Regular"/>
+              </a:rPr>
+              <a:t>matériau</a:t>
+            </a:r>
+            <a:endParaRPr lang="fr-FR" sz="1800" dirty="0">
+              <a:solidFill>
+                <a:schemeClr val="tx1">
+                  <a:lumMod val="75000"/>
+                  <a:lumOff val="25000"/>
+                </a:schemeClr>
+              </a:solidFill>
+              <a:latin typeface="LMRomanDemi10-Regular"/>
+            </a:endParaRPr>
+          </a:p>
+          <a:p>
+            <a:pPr marL="285750" indent="-285750">
+              <a:buFont typeface="Wingdings" panose="05000000000000000000" pitchFamily="2" charset="2"/>
+              <a:buChar char="v"/>
+            </a:pPr>
+            <a:r>
+              <a:rPr lang="fr-FR" sz="1800" dirty="0">
+                <a:solidFill>
+                  <a:schemeClr val="tx1">
+                    <a:lumMod val="75000"/>
+                    <a:lumOff val="25000"/>
+                  </a:schemeClr>
+                </a:solidFill>
+                <a:latin typeface="LMRomanDemi10-Regular"/>
+              </a:rPr>
+              <a:t>Définir un </a:t>
+            </a:r>
+            <a:r>
+              <a:rPr lang="fr-FR" sz="1800">
+                <a:solidFill>
+                  <a:schemeClr val="tx1">
+                    <a:lumMod val="75000"/>
+                    <a:lumOff val="25000"/>
+                  </a:schemeClr>
+                </a:solidFill>
+                <a:latin typeface="LMRomanDemi10-Regular"/>
+              </a:rPr>
+              <a:t>système </a:t>
+            </a:r>
+            <a:r>
+              <a:rPr lang="fr-FR" sz="1800" smtClean="0">
+                <a:solidFill>
+                  <a:schemeClr val="tx1">
+                    <a:lumMod val="75000"/>
+                    <a:lumOff val="25000"/>
+                  </a:schemeClr>
+                </a:solidFill>
+                <a:latin typeface="LMRomanDemi10-Regular"/>
+              </a:rPr>
+              <a:t>optique</a:t>
+            </a:r>
+            <a:endParaRPr lang="fr-FR" sz="1800" dirty="0">
+              <a:solidFill>
+                <a:schemeClr val="tx1">
+                  <a:lumMod val="75000"/>
+                  <a:lumOff val="25000"/>
+                </a:schemeClr>
+              </a:solidFill>
+              <a:latin typeface="LMRomanDemi10-Regular"/>
+            </a:endParaRPr>
+          </a:p>
+          <a:p>
+            <a:pPr marL="285750" indent="-285750">
+              <a:buFont typeface="Wingdings" panose="05000000000000000000" pitchFamily="2" charset="2"/>
+              <a:buChar char="v"/>
+            </a:pPr>
+            <a:r>
+              <a:rPr lang="fr-FR" sz="1800">
+                <a:solidFill>
+                  <a:schemeClr val="tx1">
+                    <a:lumMod val="75000"/>
+                    <a:lumOff val="25000"/>
+                  </a:schemeClr>
+                </a:solidFill>
+                <a:latin typeface="LMRomanDemi10-Regular"/>
+              </a:rPr>
+              <a:t>Calculer </a:t>
+            </a:r>
+            <a:r>
+              <a:rPr lang="fr-FR" sz="1800" smtClean="0">
+                <a:solidFill>
+                  <a:schemeClr val="tx1">
+                    <a:lumMod val="75000"/>
+                    <a:lumOff val="25000"/>
+                  </a:schemeClr>
+                </a:solidFill>
+                <a:latin typeface="LMRomanDemi10-Regular"/>
+              </a:rPr>
+              <a:t>l’intersection dioptre/rayon</a:t>
+            </a:r>
+            <a:endParaRPr lang="fr-FR" sz="1800" dirty="0">
+              <a:solidFill>
+                <a:schemeClr val="tx1">
+                  <a:lumMod val="75000"/>
+                  <a:lumOff val="25000"/>
+                </a:schemeClr>
+              </a:solidFill>
+              <a:latin typeface="LMRomanDemi10-Regular"/>
+            </a:endParaRPr>
+          </a:p>
+          <a:p>
+            <a:pPr marL="285750" indent="-285750">
+              <a:buFont typeface="Wingdings" panose="05000000000000000000" pitchFamily="2" charset="2"/>
+              <a:buChar char="v"/>
+            </a:pPr>
+            <a:r>
+              <a:rPr lang="fr-FR" sz="1800" smtClean="0">
+                <a:solidFill>
+                  <a:schemeClr val="tx1">
+                    <a:lumMod val="75000"/>
+                    <a:lumOff val="25000"/>
+                  </a:schemeClr>
+                </a:solidFill>
+                <a:latin typeface="LMRomanDemi10-Regular"/>
+              </a:rPr>
+              <a:t>Appliquer les lois de Snell/Descartes en 3D</a:t>
+            </a:r>
+          </a:p>
+          <a:p>
+            <a:pPr marL="285750" indent="-285750">
+              <a:buFont typeface="Wingdings" panose="05000000000000000000" pitchFamily="2" charset="2"/>
+              <a:buChar char="v"/>
+            </a:pPr>
+            <a:r>
+              <a:rPr lang="fr-FR" smtClean="0">
+                <a:solidFill>
+                  <a:schemeClr val="tx1">
+                    <a:lumMod val="75000"/>
+                    <a:lumOff val="25000"/>
+                  </a:schemeClr>
+                </a:solidFill>
+                <a:latin typeface="LMRomanDemi10-Regular"/>
+              </a:rPr>
+              <a:t>Définir les paramètres initiaux des rayons</a:t>
+            </a:r>
+          </a:p>
+          <a:p>
+            <a:pPr marL="285750" indent="-285750">
+              <a:buFont typeface="Wingdings" panose="05000000000000000000" pitchFamily="2" charset="2"/>
+              <a:buChar char="v"/>
+            </a:pPr>
+            <a:r>
+              <a:rPr lang="fr-FR" smtClean="0">
+                <a:solidFill>
+                  <a:schemeClr val="tx1">
+                    <a:lumMod val="75000"/>
+                    <a:lumOff val="25000"/>
+                  </a:schemeClr>
+                </a:solidFill>
+                <a:latin typeface="LMRomanDemi10-Regular"/>
+              </a:rPr>
+              <a:t>Propager les rayons</a:t>
+            </a:r>
+          </a:p>
+          <a:p>
+            <a:pPr marL="285750" indent="-285750">
+              <a:buFont typeface="Wingdings" panose="05000000000000000000" pitchFamily="2" charset="2"/>
+              <a:buChar char="v"/>
+            </a:pPr>
+            <a:r>
+              <a:rPr lang="fr-FR" sz="1800" smtClean="0">
+                <a:solidFill>
+                  <a:schemeClr val="tx1">
+                    <a:lumMod val="75000"/>
+                    <a:lumOff val="25000"/>
+                  </a:schemeClr>
+                </a:solidFill>
+                <a:latin typeface="LMRomanDemi10-Regular"/>
+              </a:rPr>
+              <a:t>Calculer l’écart type du rayon de la tache</a:t>
+            </a:r>
+            <a:endParaRPr lang="fr-FR" sz="1800" dirty="0">
+              <a:solidFill>
+                <a:schemeClr val="tx1">
+                  <a:lumMod val="75000"/>
+                  <a:lumOff val="25000"/>
+                </a:schemeClr>
+              </a:solidFill>
+              <a:latin typeface="LMRomanDemi10-Regular"/>
+            </a:endParaRPr>
+          </a:p>
+        </p:txBody>
+      </p:sp>
+      <p:sp>
+        <p:nvSpPr>
+          <p:cNvPr id="11" name="ZoneTexte 10">
+            <a:extLst>
+              <a:ext uri="{FF2B5EF4-FFF2-40B4-BE49-F238E27FC236}">
+                <a16:creationId xmlns:a16="http://schemas.microsoft.com/office/drawing/2014/main" xmlns="" id="{D4FC7220-A1C2-BA6C-4BAE-1E88F1885185}"/>
+              </a:ext>
+            </a:extLst>
+          </p:cNvPr>
+          <p:cNvSpPr txBox="1"/>
+          <p:nvPr/>
+        </p:nvSpPr>
+        <p:spPr>
+          <a:xfrm>
+            <a:off x="6366684" y="2161085"/>
+            <a:ext cx="2862323" cy="461665"/>
+          </a:xfrm>
+          <a:prstGeom prst="rect">
+            <a:avLst/>
+          </a:prstGeom>
+          <a:solidFill>
+            <a:schemeClr val="bg2"/>
+          </a:solidFill>
+        </p:spPr>
+        <p:txBody>
+          <a:bodyPr wrap="square">
+            <a:spAutoFit/>
+          </a:bodyPr>
+          <a:lstStyle/>
+          <a:p>
+            <a:pPr marL="0" indent="0" algn="l">
+              <a:buNone/>
+            </a:pPr>
+            <a:r>
+              <a:rPr lang="fr-FR" sz="2400" dirty="0">
+                <a:solidFill>
+                  <a:schemeClr val="tx1">
+                    <a:lumMod val="75000"/>
+                    <a:lumOff val="25000"/>
+                  </a:schemeClr>
+                </a:solidFill>
+                <a:latin typeface="LMRomanDemi10-Regular"/>
+              </a:rPr>
+              <a:t>Grandes étapes</a:t>
+            </a:r>
+          </a:p>
+        </p:txBody>
+      </p:sp>
+      <p:sp>
+        <p:nvSpPr>
+          <p:cNvPr id="15" name="ZoneTexte 14">
+            <a:extLst>
+              <a:ext uri="{FF2B5EF4-FFF2-40B4-BE49-F238E27FC236}">
+                <a16:creationId xmlns:a16="http://schemas.microsoft.com/office/drawing/2014/main" xmlns="" id="{C9FD8A01-ECD6-4939-66EF-1C929B9934F7}"/>
+              </a:ext>
+            </a:extLst>
+          </p:cNvPr>
+          <p:cNvSpPr txBox="1"/>
+          <p:nvPr/>
+        </p:nvSpPr>
+        <p:spPr>
+          <a:xfrm>
+            <a:off x="2465022" y="5248870"/>
+            <a:ext cx="2862323" cy="400110"/>
+          </a:xfrm>
+          <a:prstGeom prst="rect">
+            <a:avLst/>
+          </a:prstGeom>
+          <a:solidFill>
+            <a:srgbClr val="00B0F0"/>
+          </a:solidFill>
+        </p:spPr>
+        <p:txBody>
+          <a:bodyPr wrap="square">
+            <a:spAutoFit/>
+          </a:bodyPr>
+          <a:lstStyle/>
+          <a:p>
+            <a:pPr marL="0" indent="0" algn="l">
+              <a:buNone/>
+            </a:pPr>
+            <a:r>
+              <a:rPr lang="fr-FR" sz="2000" dirty="0">
+                <a:solidFill>
+                  <a:schemeClr val="bg1"/>
+                </a:solidFill>
+                <a:latin typeface="LMRomanDemi10-Regular"/>
+              </a:rPr>
+              <a:t>Ouvertures</a:t>
+            </a:r>
+          </a:p>
+        </p:txBody>
+      </p:sp>
+      <p:sp>
+        <p:nvSpPr>
+          <p:cNvPr id="16" name="ZoneTexte 15">
+            <a:extLst>
+              <a:ext uri="{FF2B5EF4-FFF2-40B4-BE49-F238E27FC236}">
+                <a16:creationId xmlns:a16="http://schemas.microsoft.com/office/drawing/2014/main" xmlns="" id="{99FA02C1-9272-E7E1-3A69-1F260BF8EDF2}"/>
+              </a:ext>
+            </a:extLst>
+          </p:cNvPr>
+          <p:cNvSpPr txBox="1"/>
+          <p:nvPr/>
+        </p:nvSpPr>
+        <p:spPr>
+          <a:xfrm>
+            <a:off x="2648252" y="5710535"/>
+            <a:ext cx="8739616" cy="923330"/>
+          </a:xfrm>
+          <a:prstGeom prst="rect">
+            <a:avLst/>
+          </a:prstGeom>
+          <a:noFill/>
+        </p:spPr>
+        <p:txBody>
+          <a:bodyPr wrap="square">
+            <a:spAutoFit/>
+          </a:bodyPr>
+          <a:lstStyle/>
+          <a:p>
+            <a:pPr marL="342900" indent="-342900">
+              <a:buFont typeface="Wingdings" panose="05000000000000000000" pitchFamily="2" charset="2"/>
+              <a:buChar char="Ø"/>
+            </a:pPr>
+            <a:r>
+              <a:rPr lang="fr-FR" sz="1800" smtClean="0">
+                <a:solidFill>
+                  <a:schemeClr val="tx1">
+                    <a:lumMod val="75000"/>
+                    <a:lumOff val="25000"/>
+                  </a:schemeClr>
+                </a:solidFill>
+                <a:latin typeface="LMRomanDemi10-Regular"/>
+              </a:rPr>
+              <a:t>Chromatisme et champ</a:t>
+            </a:r>
+            <a:endParaRPr lang="fr-FR" sz="1800" dirty="0">
+              <a:solidFill>
+                <a:schemeClr val="tx1">
+                  <a:lumMod val="75000"/>
+                  <a:lumOff val="25000"/>
+                </a:schemeClr>
+              </a:solidFill>
+              <a:latin typeface="LMRomanDemi10-Regular"/>
+            </a:endParaRPr>
+          </a:p>
+          <a:p>
+            <a:pPr marL="342900" indent="-342900">
+              <a:buFont typeface="Wingdings" panose="05000000000000000000" pitchFamily="2" charset="2"/>
+              <a:buChar char="Ø"/>
+            </a:pPr>
+            <a:r>
+              <a:rPr lang="fr-FR" sz="1800" smtClean="0">
+                <a:solidFill>
+                  <a:schemeClr val="tx1">
+                    <a:lumMod val="75000"/>
+                    <a:lumOff val="25000"/>
+                  </a:schemeClr>
+                </a:solidFill>
+                <a:latin typeface="LMRomanDemi10-Regular"/>
+              </a:rPr>
+              <a:t>Optimisation de la mise au point</a:t>
+            </a:r>
+            <a:endParaRPr lang="fr-FR" sz="1800" dirty="0">
+              <a:solidFill>
+                <a:schemeClr val="tx1">
+                  <a:lumMod val="75000"/>
+                  <a:lumOff val="25000"/>
+                </a:schemeClr>
+              </a:solidFill>
+              <a:latin typeface="LMRomanDemi10-Regular"/>
+            </a:endParaRPr>
+          </a:p>
+          <a:p>
+            <a:pPr marL="342900" indent="-342900">
+              <a:buFont typeface="Wingdings" panose="05000000000000000000" pitchFamily="2" charset="2"/>
+              <a:buChar char="Ø"/>
+            </a:pPr>
+            <a:r>
+              <a:rPr lang="fr-FR" sz="1800" smtClean="0">
+                <a:solidFill>
+                  <a:schemeClr val="tx1">
+                    <a:lumMod val="75000"/>
+                    <a:lumOff val="25000"/>
+                  </a:schemeClr>
+                </a:solidFill>
+                <a:latin typeface="LMRomanDemi10-Regular"/>
+              </a:rPr>
+              <a:t>Représentation 2D du système en coupe</a:t>
+            </a:r>
+            <a:endParaRPr lang="fr-FR" sz="1800" dirty="0">
+              <a:solidFill>
+                <a:schemeClr val="tx1">
+                  <a:lumMod val="75000"/>
+                  <a:lumOff val="25000"/>
+                </a:schemeClr>
+              </a:solidFill>
+              <a:latin typeface="LMRomanDemi10-Regular"/>
+            </a:endParaRPr>
+          </a:p>
+        </p:txBody>
+      </p:sp>
+      <p:sp>
+        <p:nvSpPr>
+          <p:cNvPr id="17" name="ZoneTexte 16">
+            <a:extLst>
+              <a:ext uri="{FF2B5EF4-FFF2-40B4-BE49-F238E27FC236}">
+                <a16:creationId xmlns:a16="http://schemas.microsoft.com/office/drawing/2014/main" xmlns="" id="{43DD19EC-D0B8-9947-3D97-46262A174CDB}"/>
+              </a:ext>
+            </a:extLst>
+          </p:cNvPr>
+          <p:cNvSpPr txBox="1"/>
+          <p:nvPr/>
+        </p:nvSpPr>
+        <p:spPr>
+          <a:xfrm>
+            <a:off x="6366684" y="2593954"/>
+            <a:ext cx="310116" cy="2862322"/>
+          </a:xfrm>
+          <a:prstGeom prst="rect">
+            <a:avLst/>
+          </a:prstGeom>
+          <a:solidFill>
+            <a:schemeClr val="bg2"/>
+          </a:solidFill>
+        </p:spPr>
+        <p:txBody>
+          <a:bodyPr wrap="square">
+            <a:spAutoFit/>
+          </a:bodyPr>
+          <a:lstStyle/>
+          <a:p>
+            <a:pPr marL="0" indent="0" algn="l">
+              <a:buNone/>
+            </a:pPr>
+            <a:endParaRPr lang="fr-FR" sz="2400" dirty="0">
+              <a:solidFill>
+                <a:schemeClr val="tx1">
+                  <a:lumMod val="75000"/>
+                  <a:lumOff val="25000"/>
+                </a:schemeClr>
+              </a:solidFill>
+              <a:latin typeface="LMRomanDemi10-Regular"/>
+            </a:endParaRPr>
+          </a:p>
+        </p:txBody>
+      </p:sp>
+      <p:sp>
+        <p:nvSpPr>
+          <p:cNvPr id="18" name="ZoneTexte 17">
+            <a:extLst>
+              <a:ext uri="{FF2B5EF4-FFF2-40B4-BE49-F238E27FC236}">
+                <a16:creationId xmlns:a16="http://schemas.microsoft.com/office/drawing/2014/main" xmlns="" id="{505E8948-47CA-4F5C-2704-48F057895C5D}"/>
+              </a:ext>
+            </a:extLst>
+          </p:cNvPr>
+          <p:cNvSpPr txBox="1"/>
+          <p:nvPr/>
+        </p:nvSpPr>
+        <p:spPr>
+          <a:xfrm>
+            <a:off x="2465022" y="5648979"/>
+            <a:ext cx="183230" cy="984885"/>
+          </a:xfrm>
+          <a:prstGeom prst="rect">
+            <a:avLst/>
+          </a:prstGeom>
+          <a:solidFill>
+            <a:srgbClr val="00B0F0"/>
+          </a:solidFill>
+        </p:spPr>
+        <p:txBody>
+          <a:bodyPr wrap="square">
+            <a:spAutoFit/>
+          </a:bodyPr>
+          <a:lstStyle/>
+          <a:p>
+            <a:pPr marL="0" indent="0" algn="l">
+              <a:buNone/>
+            </a:pPr>
+            <a:endParaRPr lang="fr-FR" sz="2000" dirty="0">
+              <a:solidFill>
+                <a:schemeClr val="bg1"/>
+              </a:solidFill>
+              <a:latin typeface="LMRomanDemi10-Regular"/>
+            </a:endParaRPr>
+          </a:p>
+        </p:txBody>
+      </p:sp>
+      <p:pic>
+        <p:nvPicPr>
+          <p:cNvPr id="12" name="Image 11" descr="Une image contenant texte, diagramme&#10;&#10;Description générée automatiquement">
+            <a:extLst>
+              <a:ext uri="{FF2B5EF4-FFF2-40B4-BE49-F238E27FC236}">
+                <a16:creationId xmlns:a16="http://schemas.microsoft.com/office/drawing/2014/main" xmlns="" id="{2F2B36A4-2F5C-99E0-0626-8E1D0AB71281}"/>
+              </a:ext>
+            </a:extLst>
+          </p:cNvPr>
+          <p:cNvPicPr>
+            <a:picLocks noChangeAspect="1"/>
+          </p:cNvPicPr>
+          <p:nvPr/>
+        </p:nvPicPr>
+        <p:blipFill rotWithShape="1">
+          <a:blip r:embed="rId3">
+            <a:extLst>
+              <a:ext uri="{28A0092B-C50C-407E-A947-70E740481C1C}">
+                <a14:useLocalDpi xmlns:a14="http://schemas.microsoft.com/office/drawing/2010/main" val="0"/>
+              </a:ext>
+            </a:extLst>
+          </a:blip>
+          <a:srcRect l="35962" r="35817"/>
+          <a:stretch/>
+        </p:blipFill>
+        <p:spPr>
+          <a:xfrm>
+            <a:off x="9483635" y="110979"/>
+            <a:ext cx="1704267" cy="1741451"/>
+          </a:xfrm>
+          <a:prstGeom prst="rect">
+            <a:avLst/>
+          </a:prstGeom>
+        </p:spPr>
+      </p:pic>
+      <p:pic>
+        <p:nvPicPr>
+          <p:cNvPr id="8" name="Image 7"/>
+          <p:cNvPicPr>
+            <a:picLocks noChangeAspect="1"/>
+          </p:cNvPicPr>
+          <p:nvPr/>
+        </p:nvPicPr>
+        <p:blipFill>
+          <a:blip r:embed="rId4"/>
+          <a:stretch>
+            <a:fillRect/>
+          </a:stretch>
+        </p:blipFill>
+        <p:spPr>
+          <a:xfrm>
+            <a:off x="1006186" y="2252737"/>
+            <a:ext cx="4184123" cy="2817310"/>
+          </a:xfrm>
+          <a:prstGeom prst="rect">
+            <a:avLst/>
+          </a:prstGeom>
+        </p:spPr>
+      </p:pic>
+    </p:spTree>
+    <p:extLst>
+      <p:ext uri="{BB962C8B-B14F-4D97-AF65-F5344CB8AC3E}">
+        <p14:creationId xmlns:p14="http://schemas.microsoft.com/office/powerpoint/2010/main" val="2883630944"/>
+      </p:ext>
+    </p:extLst>
+  </p:cSld>
+  <p:clrMapOvr>
+    <a:masterClrMapping/>
+  </p:clrMapOvr>
+  <p:timing>
+    <p:tnLst>
+      <p:par>
+        <p:cTn id="1" dur="indefinite" restart="never" nodeType="tmRoot"/>
+      </p:par>
+    </p:tnLst>
+  </p:timing>
 </p:sld>
 </file>
 
@@ -6927,7 +8039,7 @@
           <p:cNvPr id="2" name="Titre 1">
             <a:extLst>
               <a:ext uri="{FF2B5EF4-FFF2-40B4-BE49-F238E27FC236}">
-                <a16:creationId xmlns:a16="http://schemas.microsoft.com/office/drawing/2014/main" id="{90162AE8-C1B0-5C56-8313-DEE494F38273}"/>
+                <a16:creationId xmlns:a16="http://schemas.microsoft.com/office/drawing/2014/main" xmlns="" id="{90162AE8-C1B0-5C56-8313-DEE494F38273}"/>
               </a:ext>
             </a:extLst>
           </p:cNvPr>
@@ -6955,7 +8067,7 @@
           <p:cNvPr id="3" name="Espace réservé du contenu 2">
             <a:extLst>
               <a:ext uri="{FF2B5EF4-FFF2-40B4-BE49-F238E27FC236}">
-                <a16:creationId xmlns:a16="http://schemas.microsoft.com/office/drawing/2014/main" id="{E0BBB9DE-019C-C741-F224-494739D4B752}"/>
+                <a16:creationId xmlns:a16="http://schemas.microsoft.com/office/drawing/2014/main" xmlns="" id="{E0BBB9DE-019C-C741-F224-494739D4B752}"/>
               </a:ext>
             </a:extLst>
           </p:cNvPr>
@@ -6983,7 +8095,7 @@
           <p:cNvPr id="5" name="Image 4" descr="Une image contenant texte&#10;&#10;Description générée automatiquement">
             <a:extLst>
               <a:ext uri="{FF2B5EF4-FFF2-40B4-BE49-F238E27FC236}">
-                <a16:creationId xmlns:a16="http://schemas.microsoft.com/office/drawing/2014/main" id="{66D2630B-81F4-A4EB-21BA-8B90CF30BD92}"/>
+                <a16:creationId xmlns:a16="http://schemas.microsoft.com/office/drawing/2014/main" xmlns="" id="{66D2630B-81F4-A4EB-21BA-8B90CF30BD92}"/>
               </a:ext>
             </a:extLst>
           </p:cNvPr>
@@ -7019,7 +8131,7 @@
           <p:cNvPr id="1026" name="Picture 2">
             <a:extLst>
               <a:ext uri="{FF2B5EF4-FFF2-40B4-BE49-F238E27FC236}">
-                <a16:creationId xmlns:a16="http://schemas.microsoft.com/office/drawing/2014/main" id="{CE808304-C51F-0582-3AA5-5E8D676FA608}"/>
+                <a16:creationId xmlns:a16="http://schemas.microsoft.com/office/drawing/2014/main" xmlns="" id="{CE808304-C51F-0582-3AA5-5E8D676FA608}"/>
               </a:ext>
             </a:extLst>
           </p:cNvPr>
@@ -7066,7 +8178,7 @@
           <p:cNvPr id="6" name="ZoneTexte 5">
             <a:extLst>
               <a:ext uri="{FF2B5EF4-FFF2-40B4-BE49-F238E27FC236}">
-                <a16:creationId xmlns:a16="http://schemas.microsoft.com/office/drawing/2014/main" id="{640D37D6-80BE-E97D-B427-645E522B0AC0}"/>
+                <a16:creationId xmlns:a16="http://schemas.microsoft.com/office/drawing/2014/main" xmlns="" id="{640D37D6-80BE-E97D-B427-645E522B0AC0}"/>
               </a:ext>
             </a:extLst>
           </p:cNvPr>
@@ -7107,7 +8219,7 @@
           <p:cNvPr id="1028" name="Picture 4" descr="dessin objets trouvés">
             <a:extLst>
               <a:ext uri="{FF2B5EF4-FFF2-40B4-BE49-F238E27FC236}">
-                <a16:creationId xmlns:a16="http://schemas.microsoft.com/office/drawing/2014/main" id="{4FAB4EBF-8600-BC7D-1B88-0C569F1A22AF}"/>
+                <a16:creationId xmlns:a16="http://schemas.microsoft.com/office/drawing/2014/main" xmlns="" id="{4FAB4EBF-8600-BC7D-1B88-0C569F1A22AF}"/>
               </a:ext>
             </a:extLst>
           </p:cNvPr>
@@ -7154,7 +8266,7 @@
           <p:cNvPr id="1030" name="Picture 6">
             <a:extLst>
               <a:ext uri="{FF2B5EF4-FFF2-40B4-BE49-F238E27FC236}">
-                <a16:creationId xmlns:a16="http://schemas.microsoft.com/office/drawing/2014/main" id="{E7D15BC2-D0C4-67BB-7185-7CFA4C2A7286}"/>
+                <a16:creationId xmlns:a16="http://schemas.microsoft.com/office/drawing/2014/main" xmlns="" id="{E7D15BC2-D0C4-67BB-7185-7CFA4C2A7286}"/>
               </a:ext>
             </a:extLst>
           </p:cNvPr>
@@ -7201,7 +8313,7 @@
           <p:cNvPr id="8" name="ZoneTexte 7">
             <a:extLst>
               <a:ext uri="{FF2B5EF4-FFF2-40B4-BE49-F238E27FC236}">
-                <a16:creationId xmlns:a16="http://schemas.microsoft.com/office/drawing/2014/main" id="{7AEDF02C-01A4-42CC-4130-D41A78D297E7}"/>
+                <a16:creationId xmlns:a16="http://schemas.microsoft.com/office/drawing/2014/main" xmlns="" id="{7AEDF02C-01A4-42CC-4130-D41A78D297E7}"/>
               </a:ext>
             </a:extLst>
           </p:cNvPr>
@@ -7242,7 +8354,7 @@
           <p:cNvPr id="10" name="ZoneTexte 9">
             <a:extLst>
               <a:ext uri="{FF2B5EF4-FFF2-40B4-BE49-F238E27FC236}">
-                <a16:creationId xmlns:a16="http://schemas.microsoft.com/office/drawing/2014/main" id="{27659C81-78E9-598C-A413-7A9690518BE2}"/>
+                <a16:creationId xmlns:a16="http://schemas.microsoft.com/office/drawing/2014/main" xmlns="" id="{27659C81-78E9-598C-A413-7A9690518BE2}"/>
               </a:ext>
             </a:extLst>
           </p:cNvPr>
@@ -7288,6 +8400,13 @@
   <p:clrMapOvr>
     <a:masterClrMapping/>
   </p:clrMapOvr>
+  <p:timing>
+    <p:tnLst>
+      <p:par>
+        <p:cTn id="1" dur="indefinite" restart="never" nodeType="tmRoot"/>
+      </p:par>
+    </p:tnLst>
+  </p:timing>
 </p:sld>
 </file>
 
@@ -7313,7 +8432,7 @@
           <p:cNvPr id="2" name="Titre 1">
             <a:extLst>
               <a:ext uri="{FF2B5EF4-FFF2-40B4-BE49-F238E27FC236}">
-                <a16:creationId xmlns:a16="http://schemas.microsoft.com/office/drawing/2014/main" id="{90162AE8-C1B0-5C56-8313-DEE494F38273}"/>
+                <a16:creationId xmlns:a16="http://schemas.microsoft.com/office/drawing/2014/main" xmlns="" id="{90162AE8-C1B0-5C56-8313-DEE494F38273}"/>
               </a:ext>
             </a:extLst>
           </p:cNvPr>
@@ -7341,7 +8460,7 @@
           <p:cNvPr id="3" name="Espace réservé du contenu 2">
             <a:extLst>
               <a:ext uri="{FF2B5EF4-FFF2-40B4-BE49-F238E27FC236}">
-                <a16:creationId xmlns:a16="http://schemas.microsoft.com/office/drawing/2014/main" id="{E0BBB9DE-019C-C741-F224-494739D4B752}"/>
+                <a16:creationId xmlns:a16="http://schemas.microsoft.com/office/drawing/2014/main" xmlns="" id="{E0BBB9DE-019C-C741-F224-494739D4B752}"/>
               </a:ext>
             </a:extLst>
           </p:cNvPr>
@@ -7439,7 +8558,7 @@
           <p:cNvPr id="5" name="Image 4" descr="Une image contenant texte&#10;&#10;Description générée automatiquement">
             <a:extLst>
               <a:ext uri="{FF2B5EF4-FFF2-40B4-BE49-F238E27FC236}">
-                <a16:creationId xmlns:a16="http://schemas.microsoft.com/office/drawing/2014/main" id="{66D2630B-81F4-A4EB-21BA-8B90CF30BD92}"/>
+                <a16:creationId xmlns:a16="http://schemas.microsoft.com/office/drawing/2014/main" xmlns="" id="{66D2630B-81F4-A4EB-21BA-8B90CF30BD92}"/>
               </a:ext>
             </a:extLst>
           </p:cNvPr>
@@ -7475,7 +8594,7 @@
           <p:cNvPr id="7" name="Image 6">
             <a:extLst>
               <a:ext uri="{FF2B5EF4-FFF2-40B4-BE49-F238E27FC236}">
-                <a16:creationId xmlns:a16="http://schemas.microsoft.com/office/drawing/2014/main" id="{A04DE011-C905-583F-7D8D-880506E8EC08}"/>
+                <a16:creationId xmlns:a16="http://schemas.microsoft.com/office/drawing/2014/main" xmlns="" id="{A04DE011-C905-583F-7D8D-880506E8EC08}"/>
               </a:ext>
             </a:extLst>
           </p:cNvPr>
@@ -7510,6 +8629,13 @@
   <p:clrMapOvr>
     <a:masterClrMapping/>
   </p:clrMapOvr>
+  <p:timing>
+    <p:tnLst>
+      <p:par>
+        <p:cTn id="1" dur="indefinite" restart="never" nodeType="tmRoot"/>
+      </p:par>
+    </p:tnLst>
+  </p:timing>
 </p:sld>
 </file>
 
@@ -7521,7 +8647,7 @@
         <p:cNvPr id="1" name="">
           <a:extLst>
             <a:ext uri="{FF2B5EF4-FFF2-40B4-BE49-F238E27FC236}">
-              <a16:creationId xmlns:a16="http://schemas.microsoft.com/office/drawing/2014/main" id="{1E2B7834-CC71-5BD1-B86D-69D2354D0D16}"/>
+              <a16:creationId xmlns:a16="http://schemas.microsoft.com/office/drawing/2014/main" xmlns="" id="{1E2B7834-CC71-5BD1-B86D-69D2354D0D16}"/>
             </a:ext>
           </a:extLst>
         </p:cNvPr>
@@ -7541,7 +8667,7 @@
           <p:cNvPr id="2" name="Titre 1">
             <a:extLst>
               <a:ext uri="{FF2B5EF4-FFF2-40B4-BE49-F238E27FC236}">
-                <a16:creationId xmlns:a16="http://schemas.microsoft.com/office/drawing/2014/main" id="{0B3E9664-29B7-2B59-8030-33ADDC6E47E4}"/>
+                <a16:creationId xmlns:a16="http://schemas.microsoft.com/office/drawing/2014/main" xmlns="" id="{0B3E9664-29B7-2B59-8030-33ADDC6E47E4}"/>
               </a:ext>
             </a:extLst>
           </p:cNvPr>
@@ -7569,7 +8695,7 @@
           <p:cNvPr id="5" name="Image 4" descr="Une image contenant texte&#10;&#10;Description générée automatiquement">
             <a:extLst>
               <a:ext uri="{FF2B5EF4-FFF2-40B4-BE49-F238E27FC236}">
-                <a16:creationId xmlns:a16="http://schemas.microsoft.com/office/drawing/2014/main" id="{E5A94549-6822-20CF-0E01-BD01809F6034}"/>
+                <a16:creationId xmlns:a16="http://schemas.microsoft.com/office/drawing/2014/main" xmlns="" id="{E5A94549-6822-20CF-0E01-BD01809F6034}"/>
               </a:ext>
             </a:extLst>
           </p:cNvPr>
@@ -7605,7 +8731,7 @@
           <p:cNvPr id="9" name="Image 8">
             <a:extLst>
               <a:ext uri="{FF2B5EF4-FFF2-40B4-BE49-F238E27FC236}">
-                <a16:creationId xmlns:a16="http://schemas.microsoft.com/office/drawing/2014/main" id="{CDDB3ADE-F2CC-30B6-C7C7-7F07A3BC8107}"/>
+                <a16:creationId xmlns:a16="http://schemas.microsoft.com/office/drawing/2014/main" xmlns="" id="{CDDB3ADE-F2CC-30B6-C7C7-7F07A3BC8107}"/>
               </a:ext>
             </a:extLst>
           </p:cNvPr>
@@ -7640,6 +8766,13 @@
   <p:clrMapOvr>
     <a:masterClrMapping/>
   </p:clrMapOvr>
+  <p:timing>
+    <p:tnLst>
+      <p:par>
+        <p:cTn id="1" dur="indefinite" restart="never" nodeType="tmRoot"/>
+      </p:par>
+    </p:tnLst>
+  </p:timing>
 </p:sld>
 </file>
 
@@ -7651,7 +8784,7 @@
         <p:cNvPr id="1" name="">
           <a:extLst>
             <a:ext uri="{FF2B5EF4-FFF2-40B4-BE49-F238E27FC236}">
-              <a16:creationId xmlns:a16="http://schemas.microsoft.com/office/drawing/2014/main" id="{0BA234EC-9CCD-944C-79B1-4B812EE163BB}"/>
+              <a16:creationId xmlns:a16="http://schemas.microsoft.com/office/drawing/2014/main" xmlns="" id="{0BA234EC-9CCD-944C-79B1-4B812EE163BB}"/>
             </a:ext>
           </a:extLst>
         </p:cNvPr>
@@ -7671,7 +8804,7 @@
           <p:cNvPr id="2" name="Titre 1">
             <a:extLst>
               <a:ext uri="{FF2B5EF4-FFF2-40B4-BE49-F238E27FC236}">
-                <a16:creationId xmlns:a16="http://schemas.microsoft.com/office/drawing/2014/main" id="{11D64243-B632-3751-AB39-D6F8E84DA44C}"/>
+                <a16:creationId xmlns:a16="http://schemas.microsoft.com/office/drawing/2014/main" xmlns="" id="{11D64243-B632-3751-AB39-D6F8E84DA44C}"/>
               </a:ext>
             </a:extLst>
           </p:cNvPr>
@@ -7699,7 +8832,7 @@
           <p:cNvPr id="5" name="Image 4" descr="Une image contenant texte&#10;&#10;Description générée automatiquement">
             <a:extLst>
               <a:ext uri="{FF2B5EF4-FFF2-40B4-BE49-F238E27FC236}">
-                <a16:creationId xmlns:a16="http://schemas.microsoft.com/office/drawing/2014/main" id="{D43D4C6C-ADDD-123F-1E8B-F2AAFEBBE7BE}"/>
+                <a16:creationId xmlns:a16="http://schemas.microsoft.com/office/drawing/2014/main" xmlns="" id="{D43D4C6C-ADDD-123F-1E8B-F2AAFEBBE7BE}"/>
               </a:ext>
             </a:extLst>
           </p:cNvPr>
@@ -7735,7 +8868,7 @@
           <p:cNvPr id="4" name="Image 3">
             <a:extLst>
               <a:ext uri="{FF2B5EF4-FFF2-40B4-BE49-F238E27FC236}">
-                <a16:creationId xmlns:a16="http://schemas.microsoft.com/office/drawing/2014/main" id="{FE136715-BBDE-9DBD-FA03-5A034E0C1097}"/>
+                <a16:creationId xmlns:a16="http://schemas.microsoft.com/office/drawing/2014/main" xmlns="" id="{FE136715-BBDE-9DBD-FA03-5A034E0C1097}"/>
               </a:ext>
             </a:extLst>
           </p:cNvPr>
@@ -7770,6 +8903,13 @@
   <p:clrMapOvr>
     <a:masterClrMapping/>
   </p:clrMapOvr>
+  <p:timing>
+    <p:tnLst>
+      <p:par>
+        <p:cTn id="1" dur="indefinite" restart="never" nodeType="tmRoot"/>
+      </p:par>
+    </p:tnLst>
+  </p:timing>
 </p:sld>
 </file>
 
@@ -7803,10 +8943,10 @@
           <p:cNvPr id="9" name="Rectangle 8">
             <a:extLst>
               <a:ext uri="{FF2B5EF4-FFF2-40B4-BE49-F238E27FC236}">
-                <a16:creationId xmlns:a16="http://schemas.microsoft.com/office/drawing/2014/main" id="{526E0BFB-CDF1-4990-8C11-AC849311E0A8}"/>
+                <a16:creationId xmlns:a16="http://schemas.microsoft.com/office/drawing/2014/main" xmlns="" id="{526E0BFB-CDF1-4990-8C11-AC849311E0A8}"/>
               </a:ext>
               <a:ext uri="{C183D7F6-B498-43B3-948B-1728B52AA6E4}">
-                <adec:decorative xmlns:adec="http://schemas.microsoft.com/office/drawing/2017/decorative" val="1"/>
+                <adec:decorative xmlns:adec="http://schemas.microsoft.com/office/drawing/2017/decorative" xmlns="" val="1"/>
               </a:ext>
             </a:extLst>
           </p:cNvPr>
@@ -7816,7 +8956,7 @@
           <p:nvPr>
             <p:extLst>
               <p:ext uri="{386F3935-93C4-4BCD-93E2-E3B085C9AB24}">
-                <p16:designElem xmlns:p16="http://schemas.microsoft.com/office/powerpoint/2015/main" val="1"/>
+                <p16:designElem xmlns:p16="http://schemas.microsoft.com/office/powerpoint/2015/main" xmlns="" val="1"/>
               </p:ext>
             </p:extLst>
           </p:nvPr>
@@ -7863,7 +9003,7 @@
           <p:cNvPr id="4" name="Picture 3">
             <a:extLst>
               <a:ext uri="{FF2B5EF4-FFF2-40B4-BE49-F238E27FC236}">
-                <a16:creationId xmlns:a16="http://schemas.microsoft.com/office/drawing/2014/main" id="{4C72F330-992B-B125-739B-F8303ED3A097}"/>
+                <a16:creationId xmlns:a16="http://schemas.microsoft.com/office/drawing/2014/main" xmlns="" id="{4C72F330-992B-B125-739B-F8303ED3A097}"/>
               </a:ext>
             </a:extLst>
           </p:cNvPr>
@@ -7892,10 +9032,10 @@
           <p:cNvPr id="11" name="Rectangle 10">
             <a:extLst>
               <a:ext uri="{FF2B5EF4-FFF2-40B4-BE49-F238E27FC236}">
-                <a16:creationId xmlns:a16="http://schemas.microsoft.com/office/drawing/2014/main" id="{6069A1F8-9BEB-4786-9694-FC48B2D75D21}"/>
+                <a16:creationId xmlns:a16="http://schemas.microsoft.com/office/drawing/2014/main" xmlns="" id="{6069A1F8-9BEB-4786-9694-FC48B2D75D21}"/>
               </a:ext>
               <a:ext uri="{C183D7F6-B498-43B3-948B-1728B52AA6E4}">
-                <adec:decorative xmlns:adec="http://schemas.microsoft.com/office/drawing/2017/decorative" val="1"/>
+                <adec:decorative xmlns:adec="http://schemas.microsoft.com/office/drawing/2017/decorative" xmlns="" val="1"/>
               </a:ext>
             </a:extLst>
           </p:cNvPr>
@@ -7905,7 +9045,7 @@
           <p:nvPr>
             <p:extLst>
               <p:ext uri="{386F3935-93C4-4BCD-93E2-E3B085C9AB24}">
-                <p16:designElem xmlns:p16="http://schemas.microsoft.com/office/powerpoint/2015/main" val="1"/>
+                <p16:designElem xmlns:p16="http://schemas.microsoft.com/office/powerpoint/2015/main" xmlns="" val="1"/>
               </p:ext>
             </p:extLst>
           </p:nvPr>
@@ -7973,7 +9113,7 @@
           <p:cNvPr id="2" name="Titre 1">
             <a:extLst>
               <a:ext uri="{FF2B5EF4-FFF2-40B4-BE49-F238E27FC236}">
-                <a16:creationId xmlns:a16="http://schemas.microsoft.com/office/drawing/2014/main" id="{CF8D1EB8-F6E7-EB54-1CC8-28472070B9FC}"/>
+                <a16:creationId xmlns:a16="http://schemas.microsoft.com/office/drawing/2014/main" xmlns="" id="{CF8D1EB8-F6E7-EB54-1CC8-28472070B9FC}"/>
               </a:ext>
             </a:extLst>
           </p:cNvPr>
@@ -8008,7 +9148,7 @@
           <p:cNvPr id="3" name="Sous-titre 2">
             <a:extLst>
               <a:ext uri="{FF2B5EF4-FFF2-40B4-BE49-F238E27FC236}">
-                <a16:creationId xmlns:a16="http://schemas.microsoft.com/office/drawing/2014/main" id="{BDFEFAEF-AB6A-BE8F-01E7-845FB609FA07}"/>
+                <a16:creationId xmlns:a16="http://schemas.microsoft.com/office/drawing/2014/main" xmlns="" id="{BDFEFAEF-AB6A-BE8F-01E7-845FB609FA07}"/>
               </a:ext>
             </a:extLst>
           </p:cNvPr>
@@ -8043,10 +9183,10 @@
           <p:cNvPr id="32" name="Rectangle 12">
             <a:extLst>
               <a:ext uri="{FF2B5EF4-FFF2-40B4-BE49-F238E27FC236}">
-                <a16:creationId xmlns:a16="http://schemas.microsoft.com/office/drawing/2014/main" id="{AF2F604E-43BE-4DC3-B983-E071523364F8}"/>
+                <a16:creationId xmlns:a16="http://schemas.microsoft.com/office/drawing/2014/main" xmlns="" id="{AF2F604E-43BE-4DC3-B983-E071523364F8}"/>
               </a:ext>
               <a:ext uri="{C183D7F6-B498-43B3-948B-1728B52AA6E4}">
-                <adec:decorative xmlns:adec="http://schemas.microsoft.com/office/drawing/2017/decorative" val="1"/>
+                <adec:decorative xmlns:adec="http://schemas.microsoft.com/office/drawing/2017/decorative" xmlns="" val="1"/>
               </a:ext>
             </a:extLst>
           </p:cNvPr>
@@ -8056,7 +9196,7 @@
           <p:nvPr>
             <p:extLst>
               <p:ext uri="{386F3935-93C4-4BCD-93E2-E3B085C9AB24}">
-                <p16:designElem xmlns:p16="http://schemas.microsoft.com/office/powerpoint/2015/main" val="1"/>
+                <p16:designElem xmlns:p16="http://schemas.microsoft.com/office/powerpoint/2015/main" xmlns="" val="1"/>
               </p:ext>
             </p:extLst>
           </p:nvPr>
@@ -8135,10 +9275,10 @@
           <p:cNvPr id="33" name="Rectangle 14">
             <a:extLst>
               <a:ext uri="{FF2B5EF4-FFF2-40B4-BE49-F238E27FC236}">
-                <a16:creationId xmlns:a16="http://schemas.microsoft.com/office/drawing/2014/main" id="{08C9B587-E65E-4B52-B37C-ABEBB6E87928}"/>
+                <a16:creationId xmlns:a16="http://schemas.microsoft.com/office/drawing/2014/main" xmlns="" id="{08C9B587-E65E-4B52-B37C-ABEBB6E87928}"/>
               </a:ext>
               <a:ext uri="{C183D7F6-B498-43B3-948B-1728B52AA6E4}">
-                <adec:decorative xmlns:adec="http://schemas.microsoft.com/office/drawing/2017/decorative" val="1"/>
+                <adec:decorative xmlns:adec="http://schemas.microsoft.com/office/drawing/2017/decorative" xmlns="" val="1"/>
               </a:ext>
             </a:extLst>
           </p:cNvPr>
@@ -8148,7 +9288,7 @@
           <p:nvPr>
             <p:extLst>
               <p:ext uri="{386F3935-93C4-4BCD-93E2-E3B085C9AB24}">
-                <p16:designElem xmlns:p16="http://schemas.microsoft.com/office/powerpoint/2015/main" val="1"/>
+                <p16:designElem xmlns:p16="http://schemas.microsoft.com/office/powerpoint/2015/main" xmlns="" val="1"/>
               </p:ext>
             </p:extLst>
           </p:nvPr>
@@ -8228,7 +9368,7 @@
           <p:cNvPr id="5" name="Image 4" descr="Une image contenant texte&#10;&#10;Description générée automatiquement">
             <a:extLst>
               <a:ext uri="{FF2B5EF4-FFF2-40B4-BE49-F238E27FC236}">
-                <a16:creationId xmlns:a16="http://schemas.microsoft.com/office/drawing/2014/main" id="{3037BA79-FF20-6017-2C77-6E9611892AF9}"/>
+                <a16:creationId xmlns:a16="http://schemas.microsoft.com/office/drawing/2014/main" xmlns="" id="{3037BA79-FF20-6017-2C77-6E9611892AF9}"/>
               </a:ext>
             </a:extLst>
           </p:cNvPr>
@@ -8269,6 +9409,13 @@
   <p:clrMapOvr>
     <a:overrideClrMapping bg1="dk1" tx1="lt1" bg2="dk2" tx2="lt2" accent1="accent1" accent2="accent2" accent3="accent3" accent4="accent4" accent5="accent5" accent6="accent6" hlink="hlink" folHlink="folHlink"/>
   </p:clrMapOvr>
+  <p:timing>
+    <p:tnLst>
+      <p:par>
+        <p:cTn id="1" dur="indefinite" restart="never" nodeType="tmRoot"/>
+      </p:par>
+    </p:tnLst>
+  </p:timing>
 </p:sld>
 </file>
 
@@ -8294,7 +9441,7 @@
           <p:cNvPr id="2" name="Titre 1">
             <a:extLst>
               <a:ext uri="{FF2B5EF4-FFF2-40B4-BE49-F238E27FC236}">
-                <a16:creationId xmlns:a16="http://schemas.microsoft.com/office/drawing/2014/main" id="{90162AE8-C1B0-5C56-8313-DEE494F38273}"/>
+                <a16:creationId xmlns:a16="http://schemas.microsoft.com/office/drawing/2014/main" xmlns="" id="{90162AE8-C1B0-5C56-8313-DEE494F38273}"/>
               </a:ext>
             </a:extLst>
           </p:cNvPr>
@@ -8322,7 +9469,7 @@
           <p:cNvPr id="3" name="Espace réservé du contenu 2">
             <a:extLst>
               <a:ext uri="{FF2B5EF4-FFF2-40B4-BE49-F238E27FC236}">
-                <a16:creationId xmlns:a16="http://schemas.microsoft.com/office/drawing/2014/main" id="{E0BBB9DE-019C-C741-F224-494739D4B752}"/>
+                <a16:creationId xmlns:a16="http://schemas.microsoft.com/office/drawing/2014/main" xmlns="" id="{E0BBB9DE-019C-C741-F224-494739D4B752}"/>
               </a:ext>
             </a:extLst>
           </p:cNvPr>
@@ -8377,7 +9524,7 @@
           <p:cNvPr id="5" name="Image 4" descr="Une image contenant texte&#10;&#10;Description générée automatiquement">
             <a:extLst>
               <a:ext uri="{FF2B5EF4-FFF2-40B4-BE49-F238E27FC236}">
-                <a16:creationId xmlns:a16="http://schemas.microsoft.com/office/drawing/2014/main" id="{66D2630B-81F4-A4EB-21BA-8B90CF30BD92}"/>
+                <a16:creationId xmlns:a16="http://schemas.microsoft.com/office/drawing/2014/main" xmlns="" id="{66D2630B-81F4-A4EB-21BA-8B90CF30BD92}"/>
               </a:ext>
             </a:extLst>
           </p:cNvPr>
@@ -8413,7 +9560,7 @@
           <p:cNvPr id="4" name="Espace réservé du contenu 2">
             <a:extLst>
               <a:ext uri="{FF2B5EF4-FFF2-40B4-BE49-F238E27FC236}">
-                <a16:creationId xmlns:a16="http://schemas.microsoft.com/office/drawing/2014/main" id="{855094B5-4C4D-32CE-96EA-21EF2007BEA1}"/>
+                <a16:creationId xmlns:a16="http://schemas.microsoft.com/office/drawing/2014/main" xmlns="" id="{855094B5-4C4D-32CE-96EA-21EF2007BEA1}"/>
               </a:ext>
             </a:extLst>
           </p:cNvPr>
@@ -8639,7 +9786,7 @@
           <p:cNvPr id="7" name="Image 6" descr="Une image contenant texte, diagramme&#10;&#10;Description générée automatiquement">
             <a:extLst>
               <a:ext uri="{FF2B5EF4-FFF2-40B4-BE49-F238E27FC236}">
-                <a16:creationId xmlns:a16="http://schemas.microsoft.com/office/drawing/2014/main" id="{2F2B36A4-2F5C-99E0-0626-8E1D0AB71281}"/>
+                <a16:creationId xmlns:a16="http://schemas.microsoft.com/office/drawing/2014/main" xmlns="" id="{2F2B36A4-2F5C-99E0-0626-8E1D0AB71281}"/>
               </a:ext>
             </a:extLst>
           </p:cNvPr>
@@ -8649,7 +9796,7 @@
           <p:nvPr/>
         </p:nvPicPr>
         <p:blipFill>
-          <a:blip r:embed="rId3">
+          <a:blip r:embed="rId3" cstate="print">
             <a:extLst>
               <a:ext uri="{28A0092B-C50C-407E-A947-70E740481C1C}">
                 <a14:useLocalDpi xmlns:a14="http://schemas.microsoft.com/office/drawing/2010/main" val="0"/>
@@ -8675,7 +9822,7 @@
           <p:cNvPr id="10" name="Image 9" descr="Une image contenant capture d’écran, Caractère coloré, texte&#10;&#10;Description générée automatiquement">
             <a:extLst>
               <a:ext uri="{FF2B5EF4-FFF2-40B4-BE49-F238E27FC236}">
-                <a16:creationId xmlns:a16="http://schemas.microsoft.com/office/drawing/2014/main" id="{18763C78-92E7-D67F-725D-FB7E5A26D31C}"/>
+                <a16:creationId xmlns:a16="http://schemas.microsoft.com/office/drawing/2014/main" xmlns="" id="{18763C78-92E7-D67F-725D-FB7E5A26D31C}"/>
               </a:ext>
             </a:extLst>
           </p:cNvPr>
@@ -8685,7 +9832,7 @@
           <p:nvPr/>
         </p:nvPicPr>
         <p:blipFill>
-          <a:blip r:embed="rId4">
+          <a:blip r:embed="rId4" cstate="print">
             <a:extLst>
               <a:ext uri="{28A0092B-C50C-407E-A947-70E740481C1C}">
                 <a14:useLocalDpi xmlns:a14="http://schemas.microsoft.com/office/drawing/2010/main" val="0"/>
@@ -8711,7 +9858,7 @@
           <p:cNvPr id="12" name="Image 11" descr="Une image contenant texte, capture d’écran, diagramme, cercle&#10;&#10;Description générée automatiquement">
             <a:extLst>
               <a:ext uri="{FF2B5EF4-FFF2-40B4-BE49-F238E27FC236}">
-                <a16:creationId xmlns:a16="http://schemas.microsoft.com/office/drawing/2014/main" id="{FF70FE0B-50E0-1DFC-DE54-B23148CB29D7}"/>
+                <a16:creationId xmlns:a16="http://schemas.microsoft.com/office/drawing/2014/main" xmlns="" id="{FF70FE0B-50E0-1DFC-DE54-B23148CB29D7}"/>
               </a:ext>
             </a:extLst>
           </p:cNvPr>
@@ -8721,7 +9868,7 @@
           <p:nvPr/>
         </p:nvPicPr>
         <p:blipFill>
-          <a:blip r:embed="rId5">
+          <a:blip r:embed="rId5" cstate="print">
             <a:extLst>
               <a:ext uri="{28A0092B-C50C-407E-A947-70E740481C1C}">
                 <a14:useLocalDpi xmlns:a14="http://schemas.microsoft.com/office/drawing/2010/main" val="0"/>
@@ -8747,7 +9894,7 @@
           <p:cNvPr id="14" name="Connecteur droit 13">
             <a:extLst>
               <a:ext uri="{FF2B5EF4-FFF2-40B4-BE49-F238E27FC236}">
-                <a16:creationId xmlns:a16="http://schemas.microsoft.com/office/drawing/2014/main" id="{DA5B774F-AFBD-F411-B29E-49AD9C938DBA}"/>
+                <a16:creationId xmlns:a16="http://schemas.microsoft.com/office/drawing/2014/main" xmlns="" id="{DA5B774F-AFBD-F411-B29E-49AD9C938DBA}"/>
               </a:ext>
             </a:extLst>
           </p:cNvPr>
@@ -8788,7 +9935,7 @@
           <p:cNvPr id="17" name="Image 16" descr="Une image contenant diagramme, cercle, ligne&#10;&#10;Description générée automatiquement">
             <a:extLst>
               <a:ext uri="{FF2B5EF4-FFF2-40B4-BE49-F238E27FC236}">
-                <a16:creationId xmlns:a16="http://schemas.microsoft.com/office/drawing/2014/main" id="{4ADBB88E-F24E-3356-3AE9-C46433EC4B30}"/>
+                <a16:creationId xmlns:a16="http://schemas.microsoft.com/office/drawing/2014/main" xmlns="" id="{4ADBB88E-F24E-3356-3AE9-C46433EC4B30}"/>
               </a:ext>
             </a:extLst>
           </p:cNvPr>
@@ -8798,7 +9945,7 @@
           <p:nvPr/>
         </p:nvPicPr>
         <p:blipFill>
-          <a:blip r:embed="rId6">
+          <a:blip r:embed="rId6" cstate="print">
             <a:extLst>
               <a:ext uri="{28A0092B-C50C-407E-A947-70E740481C1C}">
                 <a14:useLocalDpi xmlns:a14="http://schemas.microsoft.com/office/drawing/2010/main" val="0"/>
@@ -8824,7 +9971,7 @@
           <p:cNvPr id="19" name="Image 18" descr="Une image contenant texte, diagramme, carte&#10;&#10;Description générée automatiquement">
             <a:extLst>
               <a:ext uri="{FF2B5EF4-FFF2-40B4-BE49-F238E27FC236}">
-                <a16:creationId xmlns:a16="http://schemas.microsoft.com/office/drawing/2014/main" id="{558EA2E2-3D2E-A912-39E3-0E1B22D7BF86}"/>
+                <a16:creationId xmlns:a16="http://schemas.microsoft.com/office/drawing/2014/main" xmlns="" id="{558EA2E2-3D2E-A912-39E3-0E1B22D7BF86}"/>
               </a:ext>
             </a:extLst>
           </p:cNvPr>
@@ -8834,7 +9981,7 @@
           <p:nvPr/>
         </p:nvPicPr>
         <p:blipFill>
-          <a:blip r:embed="rId7">
+          <a:blip r:embed="rId7" cstate="print">
             <a:extLst>
               <a:ext uri="{28A0092B-C50C-407E-A947-70E740481C1C}">
                 <a14:useLocalDpi xmlns:a14="http://schemas.microsoft.com/office/drawing/2010/main" val="0"/>
@@ -8865,6 +10012,13 @@
   <p:clrMapOvr>
     <a:masterClrMapping/>
   </p:clrMapOvr>
+  <p:timing>
+    <p:tnLst>
+      <p:par>
+        <p:cTn id="1" dur="indefinite" restart="never" nodeType="tmRoot"/>
+      </p:par>
+    </p:tnLst>
+  </p:timing>
 </p:sld>
 </file>
 
@@ -8876,7 +10030,7 @@
         <p:cNvPr id="1" name="">
           <a:extLst>
             <a:ext uri="{FF2B5EF4-FFF2-40B4-BE49-F238E27FC236}">
-              <a16:creationId xmlns:a16="http://schemas.microsoft.com/office/drawing/2014/main" id="{113991EB-D843-D0A5-8C7D-9BA31857E244}"/>
+              <a16:creationId xmlns:a16="http://schemas.microsoft.com/office/drawing/2014/main" xmlns="" id="{113991EB-D843-D0A5-8C7D-9BA31857E244}"/>
             </a:ext>
           </a:extLst>
         </p:cNvPr>
@@ -8896,7 +10050,7 @@
           <p:cNvPr id="2" name="Titre 1">
             <a:extLst>
               <a:ext uri="{FF2B5EF4-FFF2-40B4-BE49-F238E27FC236}">
-                <a16:creationId xmlns:a16="http://schemas.microsoft.com/office/drawing/2014/main" id="{A1127787-629E-9700-EA1A-AC1597E654A0}"/>
+                <a16:creationId xmlns:a16="http://schemas.microsoft.com/office/drawing/2014/main" xmlns="" id="{A1127787-629E-9700-EA1A-AC1597E654A0}"/>
               </a:ext>
             </a:extLst>
           </p:cNvPr>
@@ -8924,7 +10078,7 @@
           <p:cNvPr id="3" name="Espace réservé du contenu 2">
             <a:extLst>
               <a:ext uri="{FF2B5EF4-FFF2-40B4-BE49-F238E27FC236}">
-                <a16:creationId xmlns:a16="http://schemas.microsoft.com/office/drawing/2014/main" id="{5FDACC78-0287-D570-1F37-4422A43C4985}"/>
+                <a16:creationId xmlns:a16="http://schemas.microsoft.com/office/drawing/2014/main" xmlns="" id="{5FDACC78-0287-D570-1F37-4422A43C4985}"/>
               </a:ext>
             </a:extLst>
           </p:cNvPr>
@@ -8988,7 +10142,7 @@
           <p:cNvPr id="5" name="Image 4" descr="Une image contenant texte&#10;&#10;Description générée automatiquement">
             <a:extLst>
               <a:ext uri="{FF2B5EF4-FFF2-40B4-BE49-F238E27FC236}">
-                <a16:creationId xmlns:a16="http://schemas.microsoft.com/office/drawing/2014/main" id="{1EA4C3BC-4AC6-F4C8-8779-C6293D015CB4}"/>
+                <a16:creationId xmlns:a16="http://schemas.microsoft.com/office/drawing/2014/main" xmlns="" id="{1EA4C3BC-4AC6-F4C8-8779-C6293D015CB4}"/>
               </a:ext>
             </a:extLst>
           </p:cNvPr>
@@ -9024,7 +10178,7 @@
           <p:cNvPr id="8" name="Image 7">
             <a:extLst>
               <a:ext uri="{FF2B5EF4-FFF2-40B4-BE49-F238E27FC236}">
-                <a16:creationId xmlns:a16="http://schemas.microsoft.com/office/drawing/2014/main" id="{98A50A78-910B-BA7D-427A-1DE6D6093301}"/>
+                <a16:creationId xmlns:a16="http://schemas.microsoft.com/office/drawing/2014/main" xmlns="" id="{98A50A78-910B-BA7D-427A-1DE6D6093301}"/>
               </a:ext>
             </a:extLst>
           </p:cNvPr>
@@ -9054,7 +10208,7 @@
           <p:cNvPr id="11" name="ZoneTexte 10">
             <a:extLst>
               <a:ext uri="{FF2B5EF4-FFF2-40B4-BE49-F238E27FC236}">
-                <a16:creationId xmlns:a16="http://schemas.microsoft.com/office/drawing/2014/main" id="{BC76C73D-5D7A-4B99-E451-CB2BF1A470E5}"/>
+                <a16:creationId xmlns:a16="http://schemas.microsoft.com/office/drawing/2014/main" xmlns="" id="{BC76C73D-5D7A-4B99-E451-CB2BF1A470E5}"/>
               </a:ext>
             </a:extLst>
           </p:cNvPr>
@@ -9098,7 +10252,7 @@
           <p:cNvPr id="12" name="Image 11" descr="Une image contenant texte, capture d’écran, diagramme, cercle&#10;&#10;Description générée automatiquement">
             <a:extLst>
               <a:ext uri="{FF2B5EF4-FFF2-40B4-BE49-F238E27FC236}">
-                <a16:creationId xmlns:a16="http://schemas.microsoft.com/office/drawing/2014/main" id="{C8004243-A4C1-AE8F-0ECD-533C3F48B593}"/>
+                <a16:creationId xmlns:a16="http://schemas.microsoft.com/office/drawing/2014/main" xmlns="" id="{C8004243-A4C1-AE8F-0ECD-533C3F48B593}"/>
               </a:ext>
             </a:extLst>
           </p:cNvPr>
@@ -9108,7 +10262,7 @@
           <p:nvPr/>
         </p:nvPicPr>
         <p:blipFill>
-          <a:blip r:embed="rId4">
+          <a:blip r:embed="rId4" cstate="print">
             <a:extLst>
               <a:ext uri="{28A0092B-C50C-407E-A947-70E740481C1C}">
                 <a14:useLocalDpi xmlns:a14="http://schemas.microsoft.com/office/drawing/2010/main" val="0"/>
@@ -9139,6 +10293,13 @@
   <p:clrMapOvr>
     <a:masterClrMapping/>
   </p:clrMapOvr>
+  <p:timing>
+    <p:tnLst>
+      <p:par>
+        <p:cTn id="1" dur="indefinite" restart="never" nodeType="tmRoot"/>
+      </p:par>
+    </p:tnLst>
+  </p:timing>
 </p:sld>
 </file>
 
@@ -9150,7 +10311,7 @@
         <p:cNvPr id="1" name="">
           <a:extLst>
             <a:ext uri="{FF2B5EF4-FFF2-40B4-BE49-F238E27FC236}">
-              <a16:creationId xmlns:a16="http://schemas.microsoft.com/office/drawing/2014/main" id="{1FE1EA5C-160C-D22B-E71C-58A576999A02}"/>
+              <a16:creationId xmlns:a16="http://schemas.microsoft.com/office/drawing/2014/main" xmlns="" id="{1FE1EA5C-160C-D22B-E71C-58A576999A02}"/>
             </a:ext>
           </a:extLst>
         </p:cNvPr>
@@ -9170,7 +10331,7 @@
           <p:cNvPr id="2" name="Titre 1">
             <a:extLst>
               <a:ext uri="{FF2B5EF4-FFF2-40B4-BE49-F238E27FC236}">
-                <a16:creationId xmlns:a16="http://schemas.microsoft.com/office/drawing/2014/main" id="{0874FB45-9F5B-E4BD-87B6-6DC96497A9A4}"/>
+                <a16:creationId xmlns:a16="http://schemas.microsoft.com/office/drawing/2014/main" xmlns="" id="{0874FB45-9F5B-E4BD-87B6-6DC96497A9A4}"/>
               </a:ext>
             </a:extLst>
           </p:cNvPr>
@@ -9198,7 +10359,7 @@
           <p:cNvPr id="3" name="Espace réservé du contenu 2">
             <a:extLst>
               <a:ext uri="{FF2B5EF4-FFF2-40B4-BE49-F238E27FC236}">
-                <a16:creationId xmlns:a16="http://schemas.microsoft.com/office/drawing/2014/main" id="{90AD3626-B441-EAD3-8094-90FE0F44E748}"/>
+                <a16:creationId xmlns:a16="http://schemas.microsoft.com/office/drawing/2014/main" xmlns="" id="{90AD3626-B441-EAD3-8094-90FE0F44E748}"/>
               </a:ext>
             </a:extLst>
           </p:cNvPr>
@@ -9293,7 +10454,7 @@
           <p:cNvPr id="5" name="Image 4" descr="Une image contenant texte&#10;&#10;Description générée automatiquement">
             <a:extLst>
               <a:ext uri="{FF2B5EF4-FFF2-40B4-BE49-F238E27FC236}">
-                <a16:creationId xmlns:a16="http://schemas.microsoft.com/office/drawing/2014/main" id="{277513C5-2E63-BC1F-E204-26B6BAA1C8FD}"/>
+                <a16:creationId xmlns:a16="http://schemas.microsoft.com/office/drawing/2014/main" xmlns="" id="{277513C5-2E63-BC1F-E204-26B6BAA1C8FD}"/>
               </a:ext>
             </a:extLst>
           </p:cNvPr>
@@ -9329,7 +10490,7 @@
           <p:cNvPr id="6" name="Image 5">
             <a:extLst>
               <a:ext uri="{FF2B5EF4-FFF2-40B4-BE49-F238E27FC236}">
-                <a16:creationId xmlns:a16="http://schemas.microsoft.com/office/drawing/2014/main" id="{145C221D-8B8D-EAE5-AF4E-305CFB1115A7}"/>
+                <a16:creationId xmlns:a16="http://schemas.microsoft.com/office/drawing/2014/main" xmlns="" id="{145C221D-8B8D-EAE5-AF4E-305CFB1115A7}"/>
               </a:ext>
             </a:extLst>
           </p:cNvPr>
@@ -9359,7 +10520,7 @@
           <p:cNvPr id="7" name="Image 6" descr="Une image contenant diagramme, cercle, ligne&#10;&#10;Description générée automatiquement">
             <a:extLst>
               <a:ext uri="{FF2B5EF4-FFF2-40B4-BE49-F238E27FC236}">
-                <a16:creationId xmlns:a16="http://schemas.microsoft.com/office/drawing/2014/main" id="{6DFD2156-31A3-93A8-E88A-32E1D3B0BA8C}"/>
+                <a16:creationId xmlns:a16="http://schemas.microsoft.com/office/drawing/2014/main" xmlns="" id="{6DFD2156-31A3-93A8-E88A-32E1D3B0BA8C}"/>
               </a:ext>
             </a:extLst>
           </p:cNvPr>
@@ -9395,7 +10556,7 @@
           <p:cNvPr id="9" name="Image 8" descr="Une image contenant texte, capture d’écran, diagramme, cercle&#10;&#10;Description générée automatiquement">
             <a:extLst>
               <a:ext uri="{FF2B5EF4-FFF2-40B4-BE49-F238E27FC236}">
-                <a16:creationId xmlns:a16="http://schemas.microsoft.com/office/drawing/2014/main" id="{B9D146B2-760F-975E-41E5-F92C076E3BD0}"/>
+                <a16:creationId xmlns:a16="http://schemas.microsoft.com/office/drawing/2014/main" xmlns="" id="{B9D146B2-760F-975E-41E5-F92C076E3BD0}"/>
               </a:ext>
             </a:extLst>
           </p:cNvPr>
@@ -9405,7 +10566,7 @@
           <p:nvPr/>
         </p:nvPicPr>
         <p:blipFill>
-          <a:blip r:embed="rId5">
+          <a:blip r:embed="rId5" cstate="print">
             <a:extLst>
               <a:ext uri="{28A0092B-C50C-407E-A947-70E740481C1C}">
                 <a14:useLocalDpi xmlns:a14="http://schemas.microsoft.com/office/drawing/2010/main" val="0"/>
@@ -9436,6 +10597,13 @@
   <p:clrMapOvr>
     <a:masterClrMapping/>
   </p:clrMapOvr>
+  <p:timing>
+    <p:tnLst>
+      <p:par>
+        <p:cTn id="1" dur="indefinite" restart="never" nodeType="tmRoot"/>
+      </p:par>
+    </p:tnLst>
+  </p:timing>
 </p:sld>
 </file>
 
